--- a/Week1/PyTutorial_Week1.pptx
+++ b/Week1/PyTutorial_Week1.pptx
@@ -4,10 +4,13 @@
   <p:sldMasterIdLst>
     <p:sldMasterId id="2147483660" r:id="rId1"/>
   </p:sldMasterIdLst>
+  <p:notesMasterIdLst>
+    <p:notesMasterId r:id="rId23"/>
+  </p:notesMasterIdLst>
   <p:sldIdLst>
     <p:sldId id="256" r:id="rId2"/>
     <p:sldId id="257" r:id="rId3"/>
-    <p:sldId id="258" r:id="rId4"/>
+    <p:sldId id="278" r:id="rId4"/>
     <p:sldId id="274" r:id="rId5"/>
     <p:sldId id="259" r:id="rId6"/>
     <p:sldId id="260" r:id="rId7"/>
@@ -143,6 +146,593 @@
 </p:presentation>
 </file>
 
+<file path=ppt/notesMasters/notesMaster1.xml><?xml version="1.0" encoding="utf-8"?>
+<p:notesMaster xmlns:a="http://schemas.openxmlformats.org/drawingml/2006/main" xmlns:r="http://schemas.openxmlformats.org/officeDocument/2006/relationships" xmlns:p="http://schemas.openxmlformats.org/presentationml/2006/main">
+  <p:cSld>
+    <p:bg>
+      <p:bgRef idx="1001">
+        <a:schemeClr val="bg1"/>
+      </p:bgRef>
+    </p:bg>
+    <p:spTree>
+      <p:nvGrpSpPr>
+        <p:cNvPr id="1" name=""/>
+        <p:cNvGrpSpPr/>
+        <p:nvPr/>
+      </p:nvGrpSpPr>
+      <p:grpSpPr>
+        <a:xfrm>
+          <a:off x="0" y="0"/>
+          <a:ext cx="0" cy="0"/>
+          <a:chOff x="0" y="0"/>
+          <a:chExt cx="0" cy="0"/>
+        </a:xfrm>
+      </p:grpSpPr>
+      <p:sp>
+        <p:nvSpPr>
+          <p:cNvPr id="2" name="Header Placeholder 1"/>
+          <p:cNvSpPr>
+            <a:spLocks noGrp="1"/>
+          </p:cNvSpPr>
+          <p:nvPr>
+            <p:ph type="hdr" sz="quarter"/>
+          </p:nvPr>
+        </p:nvSpPr>
+        <p:spPr>
+          <a:xfrm>
+            <a:off x="0" y="0"/>
+            <a:ext cx="2971800" cy="458788"/>
+          </a:xfrm>
+          <a:prstGeom prst="rect">
+            <a:avLst/>
+          </a:prstGeom>
+        </p:spPr>
+        <p:txBody>
+          <a:bodyPr vert="horz" lIns="91440" tIns="45720" rIns="91440" bIns="45720" rtlCol="0"/>
+          <a:lstStyle>
+            <a:lvl1pPr algn="l">
+              <a:defRPr sz="1200"/>
+            </a:lvl1pPr>
+          </a:lstStyle>
+          <a:p>
+            <a:endParaRPr lang="en-GB"/>
+          </a:p>
+        </p:txBody>
+      </p:sp>
+      <p:sp>
+        <p:nvSpPr>
+          <p:cNvPr id="3" name="Date Placeholder 2"/>
+          <p:cNvSpPr>
+            <a:spLocks noGrp="1"/>
+          </p:cNvSpPr>
+          <p:nvPr>
+            <p:ph type="dt" idx="1"/>
+          </p:nvPr>
+        </p:nvSpPr>
+        <p:spPr>
+          <a:xfrm>
+            <a:off x="3884613" y="0"/>
+            <a:ext cx="2971800" cy="458788"/>
+          </a:xfrm>
+          <a:prstGeom prst="rect">
+            <a:avLst/>
+          </a:prstGeom>
+        </p:spPr>
+        <p:txBody>
+          <a:bodyPr vert="horz" lIns="91440" tIns="45720" rIns="91440" bIns="45720" rtlCol="0"/>
+          <a:lstStyle>
+            <a:lvl1pPr algn="r">
+              <a:defRPr sz="1200"/>
+            </a:lvl1pPr>
+          </a:lstStyle>
+          <a:p>
+            <a:fld id="{97D534D3-0866-4BF5-A3A3-C1862587BE6F}" type="datetimeFigureOut">
+              <a:rPr lang="en-GB" smtClean="0"/>
+              <a:t>11/07/2018</a:t>
+            </a:fld>
+            <a:endParaRPr lang="en-GB"/>
+          </a:p>
+        </p:txBody>
+      </p:sp>
+      <p:sp>
+        <p:nvSpPr>
+          <p:cNvPr id="4" name="Slide Image Placeholder 3"/>
+          <p:cNvSpPr>
+            <a:spLocks noGrp="1" noRot="1" noChangeAspect="1"/>
+          </p:cNvSpPr>
+          <p:nvPr>
+            <p:ph type="sldImg" idx="2"/>
+          </p:nvPr>
+        </p:nvSpPr>
+        <p:spPr>
+          <a:xfrm>
+            <a:off x="1371600" y="1143000"/>
+            <a:ext cx="4114800" cy="3086100"/>
+          </a:xfrm>
+          <a:prstGeom prst="rect">
+            <a:avLst/>
+          </a:prstGeom>
+          <a:noFill/>
+          <a:ln w="12700">
+            <a:solidFill>
+              <a:prstClr val="black"/>
+            </a:solidFill>
+          </a:ln>
+        </p:spPr>
+        <p:txBody>
+          <a:bodyPr vert="horz" lIns="91440" tIns="45720" rIns="91440" bIns="45720" rtlCol="0" anchor="ctr"/>
+          <a:lstStyle/>
+          <a:p>
+            <a:endParaRPr lang="en-GB"/>
+          </a:p>
+        </p:txBody>
+      </p:sp>
+      <p:sp>
+        <p:nvSpPr>
+          <p:cNvPr id="5" name="Notes Placeholder 4"/>
+          <p:cNvSpPr>
+            <a:spLocks noGrp="1"/>
+          </p:cNvSpPr>
+          <p:nvPr>
+            <p:ph type="body" sz="quarter" idx="3"/>
+          </p:nvPr>
+        </p:nvSpPr>
+        <p:spPr>
+          <a:xfrm>
+            <a:off x="685800" y="4400550"/>
+            <a:ext cx="5486400" cy="3600450"/>
+          </a:xfrm>
+          <a:prstGeom prst="rect">
+            <a:avLst/>
+          </a:prstGeom>
+        </p:spPr>
+        <p:txBody>
+          <a:bodyPr vert="horz" lIns="91440" tIns="45720" rIns="91440" bIns="45720" rtlCol="0"/>
+          <a:lstStyle/>
+          <a:p>
+            <a:pPr lvl="0"/>
+            <a:r>
+              <a:rPr lang="en-US"/>
+              <a:t>Edit Master text styles</a:t>
+            </a:r>
+          </a:p>
+          <a:p>
+            <a:pPr lvl="1"/>
+            <a:r>
+              <a:rPr lang="en-US"/>
+              <a:t>Second level</a:t>
+            </a:r>
+          </a:p>
+          <a:p>
+            <a:pPr lvl="2"/>
+            <a:r>
+              <a:rPr lang="en-US"/>
+              <a:t>Third level</a:t>
+            </a:r>
+          </a:p>
+          <a:p>
+            <a:pPr lvl="3"/>
+            <a:r>
+              <a:rPr lang="en-US"/>
+              <a:t>Fourth level</a:t>
+            </a:r>
+          </a:p>
+          <a:p>
+            <a:pPr lvl="4"/>
+            <a:r>
+              <a:rPr lang="en-US"/>
+              <a:t>Fifth level</a:t>
+            </a:r>
+            <a:endParaRPr lang="en-GB"/>
+          </a:p>
+        </p:txBody>
+      </p:sp>
+      <p:sp>
+        <p:nvSpPr>
+          <p:cNvPr id="6" name="Footer Placeholder 5"/>
+          <p:cNvSpPr>
+            <a:spLocks noGrp="1"/>
+          </p:cNvSpPr>
+          <p:nvPr>
+            <p:ph type="ftr" sz="quarter" idx="4"/>
+          </p:nvPr>
+        </p:nvSpPr>
+        <p:spPr>
+          <a:xfrm>
+            <a:off x="0" y="8685213"/>
+            <a:ext cx="2971800" cy="458787"/>
+          </a:xfrm>
+          <a:prstGeom prst="rect">
+            <a:avLst/>
+          </a:prstGeom>
+        </p:spPr>
+        <p:txBody>
+          <a:bodyPr vert="horz" lIns="91440" tIns="45720" rIns="91440" bIns="45720" rtlCol="0" anchor="b"/>
+          <a:lstStyle>
+            <a:lvl1pPr algn="l">
+              <a:defRPr sz="1200"/>
+            </a:lvl1pPr>
+          </a:lstStyle>
+          <a:p>
+            <a:endParaRPr lang="en-GB"/>
+          </a:p>
+        </p:txBody>
+      </p:sp>
+      <p:sp>
+        <p:nvSpPr>
+          <p:cNvPr id="7" name="Slide Number Placeholder 6"/>
+          <p:cNvSpPr>
+            <a:spLocks noGrp="1"/>
+          </p:cNvSpPr>
+          <p:nvPr>
+            <p:ph type="sldNum" sz="quarter" idx="5"/>
+          </p:nvPr>
+        </p:nvSpPr>
+        <p:spPr>
+          <a:xfrm>
+            <a:off x="3884613" y="8685213"/>
+            <a:ext cx="2971800" cy="458787"/>
+          </a:xfrm>
+          <a:prstGeom prst="rect">
+            <a:avLst/>
+          </a:prstGeom>
+        </p:spPr>
+        <p:txBody>
+          <a:bodyPr vert="horz" lIns="91440" tIns="45720" rIns="91440" bIns="45720" rtlCol="0" anchor="b"/>
+          <a:lstStyle>
+            <a:lvl1pPr algn="r">
+              <a:defRPr sz="1200"/>
+            </a:lvl1pPr>
+          </a:lstStyle>
+          <a:p>
+            <a:fld id="{837523E1-FC9D-4489-B062-6F8730FEA4B2}" type="slidenum">
+              <a:rPr lang="en-GB" smtClean="0"/>
+              <a:t>‹#›</a:t>
+            </a:fld>
+            <a:endParaRPr lang="en-GB"/>
+          </a:p>
+        </p:txBody>
+      </p:sp>
+    </p:spTree>
+    <p:extLst>
+      <p:ext uri="{BB962C8B-B14F-4D97-AF65-F5344CB8AC3E}">
+        <p14:creationId xmlns:p14="http://schemas.microsoft.com/office/powerpoint/2010/main" val="498125096"/>
+      </p:ext>
+    </p:extLst>
+  </p:cSld>
+  <p:clrMap bg1="lt1" tx1="dk1" bg2="lt2" tx2="dk2" accent1="accent1" accent2="accent2" accent3="accent3" accent4="accent4" accent5="accent5" accent6="accent6" hlink="hlink" folHlink="folHlink"/>
+  <p:notesStyle>
+    <a:lvl1pPr marL="0" algn="l" defTabSz="914400" rtl="0" eaLnBrk="1" latinLnBrk="0" hangingPunct="1">
+      <a:defRPr sz="1200" kern="1200">
+        <a:solidFill>
+          <a:schemeClr val="tx1"/>
+        </a:solidFill>
+        <a:latin typeface="+mn-lt"/>
+        <a:ea typeface="+mn-ea"/>
+        <a:cs typeface="+mn-cs"/>
+      </a:defRPr>
+    </a:lvl1pPr>
+    <a:lvl2pPr marL="457200" algn="l" defTabSz="914400" rtl="0" eaLnBrk="1" latinLnBrk="0" hangingPunct="1">
+      <a:defRPr sz="1200" kern="1200">
+        <a:solidFill>
+          <a:schemeClr val="tx1"/>
+        </a:solidFill>
+        <a:latin typeface="+mn-lt"/>
+        <a:ea typeface="+mn-ea"/>
+        <a:cs typeface="+mn-cs"/>
+      </a:defRPr>
+    </a:lvl2pPr>
+    <a:lvl3pPr marL="914400" algn="l" defTabSz="914400" rtl="0" eaLnBrk="1" latinLnBrk="0" hangingPunct="1">
+      <a:defRPr sz="1200" kern="1200">
+        <a:solidFill>
+          <a:schemeClr val="tx1"/>
+        </a:solidFill>
+        <a:latin typeface="+mn-lt"/>
+        <a:ea typeface="+mn-ea"/>
+        <a:cs typeface="+mn-cs"/>
+      </a:defRPr>
+    </a:lvl3pPr>
+    <a:lvl4pPr marL="1371600" algn="l" defTabSz="914400" rtl="0" eaLnBrk="1" latinLnBrk="0" hangingPunct="1">
+      <a:defRPr sz="1200" kern="1200">
+        <a:solidFill>
+          <a:schemeClr val="tx1"/>
+        </a:solidFill>
+        <a:latin typeface="+mn-lt"/>
+        <a:ea typeface="+mn-ea"/>
+        <a:cs typeface="+mn-cs"/>
+      </a:defRPr>
+    </a:lvl4pPr>
+    <a:lvl5pPr marL="1828800" algn="l" defTabSz="914400" rtl="0" eaLnBrk="1" latinLnBrk="0" hangingPunct="1">
+      <a:defRPr sz="1200" kern="1200">
+        <a:solidFill>
+          <a:schemeClr val="tx1"/>
+        </a:solidFill>
+        <a:latin typeface="+mn-lt"/>
+        <a:ea typeface="+mn-ea"/>
+        <a:cs typeface="+mn-cs"/>
+      </a:defRPr>
+    </a:lvl5pPr>
+    <a:lvl6pPr marL="2286000" algn="l" defTabSz="914400" rtl="0" eaLnBrk="1" latinLnBrk="0" hangingPunct="1">
+      <a:defRPr sz="1200" kern="1200">
+        <a:solidFill>
+          <a:schemeClr val="tx1"/>
+        </a:solidFill>
+        <a:latin typeface="+mn-lt"/>
+        <a:ea typeface="+mn-ea"/>
+        <a:cs typeface="+mn-cs"/>
+      </a:defRPr>
+    </a:lvl6pPr>
+    <a:lvl7pPr marL="2743200" algn="l" defTabSz="914400" rtl="0" eaLnBrk="1" latinLnBrk="0" hangingPunct="1">
+      <a:defRPr sz="1200" kern="1200">
+        <a:solidFill>
+          <a:schemeClr val="tx1"/>
+        </a:solidFill>
+        <a:latin typeface="+mn-lt"/>
+        <a:ea typeface="+mn-ea"/>
+        <a:cs typeface="+mn-cs"/>
+      </a:defRPr>
+    </a:lvl7pPr>
+    <a:lvl8pPr marL="3200400" algn="l" defTabSz="914400" rtl="0" eaLnBrk="1" latinLnBrk="0" hangingPunct="1">
+      <a:defRPr sz="1200" kern="1200">
+        <a:solidFill>
+          <a:schemeClr val="tx1"/>
+        </a:solidFill>
+        <a:latin typeface="+mn-lt"/>
+        <a:ea typeface="+mn-ea"/>
+        <a:cs typeface="+mn-cs"/>
+      </a:defRPr>
+    </a:lvl8pPr>
+    <a:lvl9pPr marL="3657600" algn="l" defTabSz="914400" rtl="0" eaLnBrk="1" latinLnBrk="0" hangingPunct="1">
+      <a:defRPr sz="1200" kern="1200">
+        <a:solidFill>
+          <a:schemeClr val="tx1"/>
+        </a:solidFill>
+        <a:latin typeface="+mn-lt"/>
+        <a:ea typeface="+mn-ea"/>
+        <a:cs typeface="+mn-cs"/>
+      </a:defRPr>
+    </a:lvl9pPr>
+  </p:notesStyle>
+</p:notesMaster>
+</file>
+
+<file path=ppt/notesSlides/notesSlide1.xml><?xml version="1.0" encoding="utf-8"?>
+<p:notes xmlns:a="http://schemas.openxmlformats.org/drawingml/2006/main" xmlns:r="http://schemas.openxmlformats.org/officeDocument/2006/relationships" xmlns:p="http://schemas.openxmlformats.org/presentationml/2006/main">
+  <p:cSld>
+    <p:spTree>
+      <p:nvGrpSpPr>
+        <p:cNvPr id="1" name=""/>
+        <p:cNvGrpSpPr/>
+        <p:nvPr/>
+      </p:nvGrpSpPr>
+      <p:grpSpPr>
+        <a:xfrm>
+          <a:off x="0" y="0"/>
+          <a:ext cx="0" cy="0"/>
+          <a:chOff x="0" y="0"/>
+          <a:chExt cx="0" cy="0"/>
+        </a:xfrm>
+      </p:grpSpPr>
+      <p:sp>
+        <p:nvSpPr>
+          <p:cNvPr id="2" name="Slide Image Placeholder 1"/>
+          <p:cNvSpPr>
+            <a:spLocks noGrp="1" noRot="1" noChangeAspect="1"/>
+          </p:cNvSpPr>
+          <p:nvPr>
+            <p:ph type="sldImg"/>
+          </p:nvPr>
+        </p:nvSpPr>
+        <p:spPr/>
+      </p:sp>
+      <p:sp>
+        <p:nvSpPr>
+          <p:cNvPr id="3" name="Notes Placeholder 2"/>
+          <p:cNvSpPr>
+            <a:spLocks noGrp="1"/>
+          </p:cNvSpPr>
+          <p:nvPr>
+            <p:ph type="body" idx="1"/>
+          </p:nvPr>
+        </p:nvSpPr>
+        <p:spPr/>
+        <p:txBody>
+          <a:bodyPr/>
+          <a:lstStyle/>
+          <a:p>
+            <a:r>
+              <a:rPr lang="en-US" altLang="zh-TW" dirty="0"/>
+              <a:t>Data Source: APIs (Facebook / Google Analytics / …)</a:t>
+            </a:r>
+          </a:p>
+          <a:p>
+            <a:r>
+              <a:rPr lang="en-US" altLang="zh-TW" dirty="0"/>
+              <a:t>Data Warehousing: T/U-SQL, Azure Data Factory</a:t>
+            </a:r>
+          </a:p>
+          <a:p>
+            <a:r>
+              <a:rPr lang="en-US" altLang="zh-TW" dirty="0"/>
+              <a:t>Data Analysis &amp; Modeling - High Level Experience: </a:t>
+            </a:r>
+            <a:br>
+              <a:rPr lang="en-US" altLang="zh-TW" dirty="0"/>
+            </a:br>
+            <a:r>
+              <a:rPr lang="en-US" altLang="zh-TW" dirty="0"/>
+              <a:t>10 years experience in R / SAS / SPSS</a:t>
+            </a:r>
+            <a:br>
+              <a:rPr lang="en-US" altLang="zh-TW" dirty="0"/>
+            </a:br>
+            <a:r>
+              <a:rPr lang="en-US" altLang="zh-TW" dirty="0"/>
+              <a:t>3 years experience in Python</a:t>
+            </a:r>
+          </a:p>
+          <a:p>
+            <a:r>
+              <a:rPr lang="en-US" altLang="zh-TW" dirty="0"/>
+              <a:t>Data Visualizer: Tableau, Power BI</a:t>
+            </a:r>
+            <a:br>
+              <a:rPr lang="en-US" altLang="zh-TW" dirty="0"/>
+            </a:br>
+            <a:br>
+              <a:rPr lang="en-US" altLang="zh-TW" dirty="0"/>
+            </a:br>
+            <a:br>
+              <a:rPr lang="en-US" altLang="zh-TW" dirty="0"/>
+            </a:br>
+            <a:r>
+              <a:rPr lang="en-US" altLang="zh-TW" dirty="0"/>
+              <a:t>(Add data flow chart, and indicate the importance: 10 year R but 3 year python)</a:t>
+            </a:r>
+            <a:endParaRPr lang="zh-TW" altLang="en-US" dirty="0"/>
+          </a:p>
+          <a:p>
+            <a:endParaRPr lang="en-GB" dirty="0"/>
+          </a:p>
+        </p:txBody>
+      </p:sp>
+      <p:sp>
+        <p:nvSpPr>
+          <p:cNvPr id="4" name="Slide Number Placeholder 3"/>
+          <p:cNvSpPr>
+            <a:spLocks noGrp="1"/>
+          </p:cNvSpPr>
+          <p:nvPr>
+            <p:ph type="sldNum" sz="quarter" idx="10"/>
+          </p:nvPr>
+        </p:nvSpPr>
+        <p:spPr/>
+        <p:txBody>
+          <a:bodyPr/>
+          <a:lstStyle/>
+          <a:p>
+            <a:fld id="{837523E1-FC9D-4489-B062-6F8730FEA4B2}" type="slidenum">
+              <a:rPr lang="en-GB" smtClean="0"/>
+              <a:t>3</a:t>
+            </a:fld>
+            <a:endParaRPr lang="en-GB"/>
+          </a:p>
+        </p:txBody>
+      </p:sp>
+    </p:spTree>
+    <p:extLst>
+      <p:ext uri="{BB962C8B-B14F-4D97-AF65-F5344CB8AC3E}">
+        <p14:creationId xmlns:p14="http://schemas.microsoft.com/office/powerpoint/2010/main" val="934912670"/>
+      </p:ext>
+    </p:extLst>
+  </p:cSld>
+  <p:clrMapOvr>
+    <a:masterClrMapping/>
+  </p:clrMapOvr>
+</p:notes>
+</file>
+
+<file path=ppt/notesSlides/notesSlide2.xml><?xml version="1.0" encoding="utf-8"?>
+<p:notes xmlns:a="http://schemas.openxmlformats.org/drawingml/2006/main" xmlns:r="http://schemas.openxmlformats.org/officeDocument/2006/relationships" xmlns:p="http://schemas.openxmlformats.org/presentationml/2006/main">
+  <p:cSld>
+    <p:spTree>
+      <p:nvGrpSpPr>
+        <p:cNvPr id="1" name=""/>
+        <p:cNvGrpSpPr/>
+        <p:nvPr/>
+      </p:nvGrpSpPr>
+      <p:grpSpPr>
+        <a:xfrm>
+          <a:off x="0" y="0"/>
+          <a:ext cx="0" cy="0"/>
+          <a:chOff x="0" y="0"/>
+          <a:chExt cx="0" cy="0"/>
+        </a:xfrm>
+      </p:grpSpPr>
+      <p:sp>
+        <p:nvSpPr>
+          <p:cNvPr id="2" name="Slide Image Placeholder 1"/>
+          <p:cNvSpPr>
+            <a:spLocks noGrp="1" noRot="1" noChangeAspect="1"/>
+          </p:cNvSpPr>
+          <p:nvPr>
+            <p:ph type="sldImg"/>
+          </p:nvPr>
+        </p:nvSpPr>
+        <p:spPr/>
+      </p:sp>
+      <p:sp>
+        <p:nvSpPr>
+          <p:cNvPr id="3" name="Notes Placeholder 2"/>
+          <p:cNvSpPr>
+            <a:spLocks noGrp="1"/>
+          </p:cNvSpPr>
+          <p:nvPr>
+            <p:ph type="body" idx="1"/>
+          </p:nvPr>
+        </p:nvSpPr>
+        <p:spPr/>
+        <p:txBody>
+          <a:bodyPr/>
+          <a:lstStyle/>
+          <a:p>
+            <a:r>
+              <a:rPr lang="en-GB" dirty="0" err="1"/>
+              <a:t>Jupyter</a:t>
+            </a:r>
+            <a:r>
+              <a:rPr lang="en-GB" dirty="0"/>
+              <a:t> R kernel: https://github.com/IRkernel/Irkernel</a:t>
+            </a:r>
+          </a:p>
+          <a:p>
+            <a:r>
+              <a:rPr lang="en-GB" dirty="0" err="1"/>
+              <a:t>Jupyter</a:t>
+            </a:r>
+            <a:r>
+              <a:rPr lang="en-GB" dirty="0"/>
+              <a:t> SAS kernel: https://github.com/sassoftware/sas_kernel</a:t>
+            </a:r>
+          </a:p>
+        </p:txBody>
+      </p:sp>
+      <p:sp>
+        <p:nvSpPr>
+          <p:cNvPr id="4" name="Slide Number Placeholder 3"/>
+          <p:cNvSpPr>
+            <a:spLocks noGrp="1"/>
+          </p:cNvSpPr>
+          <p:nvPr>
+            <p:ph type="sldNum" sz="quarter" idx="10"/>
+          </p:nvPr>
+        </p:nvSpPr>
+        <p:spPr/>
+        <p:txBody>
+          <a:bodyPr/>
+          <a:lstStyle/>
+          <a:p>
+            <a:fld id="{837523E1-FC9D-4489-B062-6F8730FEA4B2}" type="slidenum">
+              <a:rPr lang="en-GB" smtClean="0"/>
+              <a:t>7</a:t>
+            </a:fld>
+            <a:endParaRPr lang="en-GB"/>
+          </a:p>
+        </p:txBody>
+      </p:sp>
+    </p:spTree>
+    <p:extLst>
+      <p:ext uri="{BB962C8B-B14F-4D97-AF65-F5344CB8AC3E}">
+        <p14:creationId xmlns:p14="http://schemas.microsoft.com/office/powerpoint/2010/main" val="468422671"/>
+      </p:ext>
+    </p:extLst>
+  </p:cSld>
+  <p:clrMapOvr>
+    <a:masterClrMapping/>
+  </p:clrMapOvr>
+</p:notes>
+</file>
+
 <file path=ppt/slideLayouts/slideLayout1.xml><?xml version="1.0" encoding="utf-8"?>
 <p:sldLayout xmlns:a="http://schemas.openxmlformats.org/drawingml/2006/main" xmlns:r="http://schemas.openxmlformats.org/officeDocument/2006/relationships" xmlns:p="http://schemas.openxmlformats.org/presentationml/2006/main" showMasterSp="0" type="title" preserve="1">
   <p:cSld name="標題投影片">
@@ -337,7 +927,7 @@
           <a:p>
             <a:fld id="{5BBEAD13-0566-4C6C-97E7-55F17F24B09F}" type="datetimeFigureOut">
               <a:rPr lang="zh-TW" altLang="en-US" smtClean="0"/>
-              <a:t>2018/6/26</a:t>
+              <a:t>2018/7/11</a:t>
             </a:fld>
             <a:endParaRPr lang="zh-TW" altLang="en-US"/>
           </a:p>
@@ -690,7 +1280,7 @@
           <a:p>
             <a:fld id="{5BBEAD13-0566-4C6C-97E7-55F17F24B09F}" type="datetimeFigureOut">
               <a:rPr lang="zh-TW" altLang="en-US" smtClean="0"/>
-              <a:t>2018/6/26</a:t>
+              <a:t>2018/7/11</a:t>
             </a:fld>
             <a:endParaRPr lang="zh-TW" altLang="en-US"/>
           </a:p>
@@ -865,7 +1455,7 @@
           <a:p>
             <a:fld id="{5BBEAD13-0566-4C6C-97E7-55F17F24B09F}" type="datetimeFigureOut">
               <a:rPr lang="zh-TW" altLang="en-US" smtClean="0"/>
-              <a:t>2018/6/26</a:t>
+              <a:t>2018/7/11</a:t>
             </a:fld>
             <a:endParaRPr lang="zh-TW" altLang="en-US"/>
           </a:p>
@@ -978,7 +1568,7 @@
           <a:p>
             <a:fld id="{5BBEAD13-0566-4C6C-97E7-55F17F24B09F}" type="datetimeFigureOut">
               <a:rPr lang="zh-TW" altLang="en-US" smtClean="0"/>
-              <a:t>2018/6/26</a:t>
+              <a:t>2018/7/11</a:t>
             </a:fld>
             <a:endParaRPr lang="zh-TW" altLang="en-US"/>
           </a:p>
@@ -1336,7 +1926,7 @@
           <a:p>
             <a:fld id="{5BBEAD13-0566-4C6C-97E7-55F17F24B09F}" type="datetimeFigureOut">
               <a:rPr lang="zh-TW" altLang="en-US" smtClean="0"/>
-              <a:t>2018/6/26</a:t>
+              <a:t>2018/7/11</a:t>
             </a:fld>
             <a:endParaRPr lang="zh-TW" altLang="en-US"/>
           </a:p>
@@ -1601,7 +2191,7 @@
           <a:p>
             <a:fld id="{5BBEAD13-0566-4C6C-97E7-55F17F24B09F}" type="datetimeFigureOut">
               <a:rPr lang="zh-TW" altLang="en-US" smtClean="0"/>
-              <a:t>2018/6/26</a:t>
+              <a:t>2018/7/11</a:t>
             </a:fld>
             <a:endParaRPr lang="zh-TW" altLang="en-US"/>
           </a:p>
@@ -1963,7 +2553,7 @@
           <a:p>
             <a:fld id="{5BBEAD13-0566-4C6C-97E7-55F17F24B09F}" type="datetimeFigureOut">
               <a:rPr lang="zh-TW" altLang="en-US" smtClean="0"/>
-              <a:t>2018/6/26</a:t>
+              <a:t>2018/7/11</a:t>
             </a:fld>
             <a:endParaRPr lang="zh-TW" altLang="en-US"/>
           </a:p>
@@ -2190,7 +2780,7 @@
           <a:p>
             <a:fld id="{5BBEAD13-0566-4C6C-97E7-55F17F24B09F}" type="datetimeFigureOut">
               <a:rPr lang="zh-TW" altLang="en-US" smtClean="0"/>
-              <a:t>2018/6/26</a:t>
+              <a:t>2018/7/11</a:t>
             </a:fld>
             <a:endParaRPr lang="zh-TW" altLang="en-US"/>
           </a:p>
@@ -2280,7 +2870,7 @@
           <a:p>
             <a:fld id="{5BBEAD13-0566-4C6C-97E7-55F17F24B09F}" type="datetimeFigureOut">
               <a:rPr lang="zh-TW" altLang="en-US" smtClean="0"/>
-              <a:t>2018/6/26</a:t>
+              <a:t>2018/7/11</a:t>
             </a:fld>
             <a:endParaRPr lang="zh-TW" altLang="en-US"/>
           </a:p>
@@ -2547,7 +3137,7 @@
           <a:p>
             <a:fld id="{5BBEAD13-0566-4C6C-97E7-55F17F24B09F}" type="datetimeFigureOut">
               <a:rPr lang="zh-TW" altLang="en-US" smtClean="0"/>
-              <a:t>2018/6/26</a:t>
+              <a:t>2018/7/11</a:t>
             </a:fld>
             <a:endParaRPr lang="zh-TW" altLang="en-US"/>
           </a:p>
@@ -2775,7 +3365,7 @@
           <a:p>
             <a:fld id="{5BBEAD13-0566-4C6C-97E7-55F17F24B09F}" type="datetimeFigureOut">
               <a:rPr lang="zh-TW" altLang="en-US" smtClean="0"/>
-              <a:t>2018/6/26</a:t>
+              <a:t>2018/7/11</a:t>
             </a:fld>
             <a:endParaRPr lang="zh-TW" altLang="en-US"/>
           </a:p>
@@ -3274,7 +3864,7 @@
           <a:p>
             <a:fld id="{5BBEAD13-0566-4C6C-97E7-55F17F24B09F}" type="datetimeFigureOut">
               <a:rPr lang="zh-TW" altLang="en-US" smtClean="0"/>
-              <a:t>2018/6/26</a:t>
+              <a:t>2018/7/11</a:t>
             </a:fld>
             <a:endParaRPr lang="zh-TW" altLang="en-US"/>
           </a:p>
@@ -7909,9 +8499,16 @@
             <p:ph type="title"/>
           </p:nvPr>
         </p:nvSpPr>
-        <p:spPr/>
-        <p:txBody>
-          <a:bodyPr/>
+        <p:spPr>
+          <a:xfrm>
+            <a:off x="914400" y="274638"/>
+            <a:ext cx="7772400" cy="850106"/>
+          </a:xfrm>
+        </p:spPr>
+        <p:txBody>
+          <a:bodyPr>
+            <a:normAutofit/>
+          </a:bodyPr>
           <a:lstStyle/>
           <a:p>
             <a:r>
@@ -7924,76 +8521,1436 @@
       </p:sp>
       <p:sp>
         <p:nvSpPr>
-          <p:cNvPr id="3" name="內容版面配置區 2"/>
-          <p:cNvSpPr>
-            <a:spLocks noGrp="1"/>
-          </p:cNvSpPr>
-          <p:nvPr>
-            <p:ph sz="quarter" idx="1"/>
-          </p:nvPr>
-        </p:nvSpPr>
-        <p:spPr/>
-        <p:txBody>
-          <a:bodyPr/>
-          <a:lstStyle/>
-          <a:p>
-            <a:r>
-              <a:rPr lang="en-US" altLang="zh-TW" dirty="0"/>
-              <a:t>Data Source: APIs (Facebook / Google Analytics / …)</a:t>
-            </a:r>
-          </a:p>
-          <a:p>
-            <a:r>
-              <a:rPr lang="en-US" altLang="zh-TW" dirty="0"/>
-              <a:t>Data Warehousing: T/U-SQL, Azure Data Factory</a:t>
-            </a:r>
-          </a:p>
-          <a:p>
-            <a:r>
-              <a:rPr lang="en-US" altLang="zh-TW" dirty="0"/>
-              <a:t>Data Analysis &amp; Modeling - High Level Experience: </a:t>
+          <p:cNvPr id="4" name="Rectangle: Rounded Corners 3">
+            <a:extLst>
+              <a:ext uri="{FF2B5EF4-FFF2-40B4-BE49-F238E27FC236}">
+                <a16:creationId xmlns:a16="http://schemas.microsoft.com/office/drawing/2014/main" id="{7CC75FE7-9BE3-4B33-8418-04E2C9E5AB91}"/>
+              </a:ext>
+            </a:extLst>
+          </p:cNvPr>
+          <p:cNvSpPr/>
+          <p:nvPr/>
+        </p:nvSpPr>
+        <p:spPr>
+          <a:xfrm>
+            <a:off x="395536" y="1124744"/>
+            <a:ext cx="1440160" cy="4824536"/>
+          </a:xfrm>
+          <a:prstGeom prst="roundRect">
+            <a:avLst/>
+          </a:prstGeom>
+        </p:spPr>
+        <p:style>
+          <a:lnRef idx="2">
+            <a:schemeClr val="accent1"/>
+          </a:lnRef>
+          <a:fillRef idx="1">
+            <a:schemeClr val="lt1"/>
+          </a:fillRef>
+          <a:effectRef idx="0">
+            <a:schemeClr val="accent1"/>
+          </a:effectRef>
+          <a:fontRef idx="minor">
+            <a:schemeClr val="dk1"/>
+          </a:fontRef>
+        </p:style>
+        <p:txBody>
+          <a:bodyPr rtlCol="0" anchor="ctr"/>
+          <a:lstStyle/>
+          <a:p>
+            <a:pPr algn="ctr"/>
+            <a:endParaRPr lang="en-GB"/>
+          </a:p>
+        </p:txBody>
+      </p:sp>
+      <p:pic>
+        <p:nvPicPr>
+          <p:cNvPr id="1026" name="Picture 2" descr="IOT iconçåçæå°çµæ">
+            <a:extLst>
+              <a:ext uri="{FF2B5EF4-FFF2-40B4-BE49-F238E27FC236}">
+                <a16:creationId xmlns:a16="http://schemas.microsoft.com/office/drawing/2014/main" id="{712A1AE6-ED19-4B61-B678-86D4D6032821}"/>
+              </a:ext>
+            </a:extLst>
+          </p:cNvPr>
+          <p:cNvPicPr>
+            <a:picLocks noChangeAspect="1" noChangeArrowheads="1"/>
+          </p:cNvPicPr>
+          <p:nvPr/>
+        </p:nvPicPr>
+        <p:blipFill>
+          <a:blip r:embed="rId3" cstate="print">
+            <a:extLst>
+              <a:ext uri="{28A0092B-C50C-407E-A947-70E740481C1C}">
+                <a14:useLocalDpi xmlns:a14="http://schemas.microsoft.com/office/drawing/2010/main" val="0"/>
+              </a:ext>
+            </a:extLst>
+          </a:blip>
+          <a:srcRect/>
+          <a:stretch>
+            <a:fillRect/>
+          </a:stretch>
+        </p:blipFill>
+        <p:spPr bwMode="auto">
+          <a:xfrm>
+            <a:off x="539552" y="1201031"/>
+            <a:ext cx="571785" cy="571785"/>
+          </a:xfrm>
+          <a:prstGeom prst="rect">
+            <a:avLst/>
+          </a:prstGeom>
+          <a:noFill/>
+          <a:extLst>
+            <a:ext uri="{909E8E84-426E-40DD-AFC4-6F175D3DCCD1}">
+              <a14:hiddenFill xmlns:a14="http://schemas.microsoft.com/office/drawing/2010/main">
+                <a:solidFill>
+                  <a:srgbClr val="FFFFFF"/>
+                </a:solidFill>
+              </a14:hiddenFill>
+            </a:ext>
+          </a:extLst>
+        </p:spPr>
+      </p:pic>
+      <p:sp>
+        <p:nvSpPr>
+          <p:cNvPr id="5" name="TextBox 4">
+            <a:extLst>
+              <a:ext uri="{FF2B5EF4-FFF2-40B4-BE49-F238E27FC236}">
+                <a16:creationId xmlns:a16="http://schemas.microsoft.com/office/drawing/2014/main" id="{AF04A80F-CF1B-45A1-8B55-1C8C1B725936}"/>
+              </a:ext>
+            </a:extLst>
+          </p:cNvPr>
+          <p:cNvSpPr txBox="1"/>
+          <p:nvPr/>
+        </p:nvSpPr>
+        <p:spPr>
+          <a:xfrm>
+            <a:off x="539552" y="1651684"/>
+            <a:ext cx="1008112" cy="646331"/>
+          </a:xfrm>
+          <a:prstGeom prst="rect">
+            <a:avLst/>
+          </a:prstGeom>
+          <a:noFill/>
+        </p:spPr>
+        <p:txBody>
+          <a:bodyPr wrap="square" rtlCol="0">
+            <a:spAutoFit/>
+          </a:bodyPr>
+          <a:lstStyle/>
+          <a:p>
+            <a:r>
+              <a:rPr lang="en-GB" dirty="0"/>
+              <a:t>Data Source</a:t>
+            </a:r>
+          </a:p>
+        </p:txBody>
+      </p:sp>
+      <p:pic>
+        <p:nvPicPr>
+          <p:cNvPr id="7" name="Picture 6">
+            <a:extLst>
+              <a:ext uri="{FF2B5EF4-FFF2-40B4-BE49-F238E27FC236}">
+                <a16:creationId xmlns:a16="http://schemas.microsoft.com/office/drawing/2014/main" id="{853F2B8C-D14A-427F-A379-20CA3F111B3A}"/>
+              </a:ext>
+            </a:extLst>
+          </p:cNvPr>
+          <p:cNvPicPr>
+            <a:picLocks noChangeAspect="1"/>
+          </p:cNvPicPr>
+          <p:nvPr/>
+        </p:nvPicPr>
+        <p:blipFill>
+          <a:blip r:embed="rId4"/>
+          <a:stretch>
+            <a:fillRect/>
+          </a:stretch>
+        </p:blipFill>
+        <p:spPr>
+          <a:xfrm>
+            <a:off x="543830" y="2382869"/>
+            <a:ext cx="398059" cy="398059"/>
+          </a:xfrm>
+          <a:prstGeom prst="rect">
+            <a:avLst/>
+          </a:prstGeom>
+        </p:spPr>
+      </p:pic>
+      <p:pic>
+        <p:nvPicPr>
+          <p:cNvPr id="1030" name="Picture 6" descr="google analytics iconçåçæå°çµæ">
+            <a:extLst>
+              <a:ext uri="{FF2B5EF4-FFF2-40B4-BE49-F238E27FC236}">
+                <a16:creationId xmlns:a16="http://schemas.microsoft.com/office/drawing/2014/main" id="{293ED039-A4E5-40C7-B831-172CB0AE4D0F}"/>
+              </a:ext>
+            </a:extLst>
+          </p:cNvPr>
+          <p:cNvPicPr>
+            <a:picLocks noChangeAspect="1" noChangeArrowheads="1"/>
+          </p:cNvPicPr>
+          <p:nvPr/>
+        </p:nvPicPr>
+        <p:blipFill>
+          <a:blip r:embed="rId5" cstate="print">
+            <a:extLst>
+              <a:ext uri="{28A0092B-C50C-407E-A947-70E740481C1C}">
+                <a14:useLocalDpi xmlns:a14="http://schemas.microsoft.com/office/drawing/2010/main" val="0"/>
+              </a:ext>
+            </a:extLst>
+          </a:blip>
+          <a:srcRect/>
+          <a:stretch>
+            <a:fillRect/>
+          </a:stretch>
+        </p:blipFill>
+        <p:spPr bwMode="auto">
+          <a:xfrm>
+            <a:off x="1196172" y="2636912"/>
+            <a:ext cx="427112" cy="427112"/>
+          </a:xfrm>
+          <a:prstGeom prst="rect">
+            <a:avLst/>
+          </a:prstGeom>
+          <a:noFill/>
+          <a:extLst>
+            <a:ext uri="{909E8E84-426E-40DD-AFC4-6F175D3DCCD1}">
+              <a14:hiddenFill xmlns:a14="http://schemas.microsoft.com/office/drawing/2010/main">
+                <a:solidFill>
+                  <a:srgbClr val="FFFFFF"/>
+                </a:solidFill>
+              </a14:hiddenFill>
+            </a:ext>
+          </a:extLst>
+        </p:spPr>
+      </p:pic>
+      <p:pic>
+        <p:nvPicPr>
+          <p:cNvPr id="9" name="Picture 8">
+            <a:extLst>
+              <a:ext uri="{FF2B5EF4-FFF2-40B4-BE49-F238E27FC236}">
+                <a16:creationId xmlns:a16="http://schemas.microsoft.com/office/drawing/2014/main" id="{3C504A02-E21A-4396-A0F8-F123B4F3904F}"/>
+              </a:ext>
+            </a:extLst>
+          </p:cNvPr>
+          <p:cNvPicPr>
+            <a:picLocks noChangeAspect="1"/>
+          </p:cNvPicPr>
+          <p:nvPr/>
+        </p:nvPicPr>
+        <p:blipFill>
+          <a:blip r:embed="rId6"/>
+          <a:stretch>
+            <a:fillRect/>
+          </a:stretch>
+        </p:blipFill>
+        <p:spPr>
+          <a:xfrm>
+            <a:off x="537051" y="3480536"/>
+            <a:ext cx="1086233" cy="716285"/>
+          </a:xfrm>
+          <a:prstGeom prst="rect">
+            <a:avLst/>
+          </a:prstGeom>
+        </p:spPr>
+      </p:pic>
+      <p:pic>
+        <p:nvPicPr>
+          <p:cNvPr id="11" name="Picture 10">
+            <a:extLst>
+              <a:ext uri="{FF2B5EF4-FFF2-40B4-BE49-F238E27FC236}">
+                <a16:creationId xmlns:a16="http://schemas.microsoft.com/office/drawing/2014/main" id="{BA47B433-6A8C-4064-A3BD-774AB838E4AC}"/>
+              </a:ext>
+            </a:extLst>
+          </p:cNvPr>
+          <p:cNvPicPr>
+            <a:picLocks noChangeAspect="1"/>
+          </p:cNvPicPr>
+          <p:nvPr/>
+        </p:nvPicPr>
+        <p:blipFill>
+          <a:blip r:embed="rId7"/>
+          <a:stretch>
+            <a:fillRect/>
+          </a:stretch>
+        </p:blipFill>
+        <p:spPr>
+          <a:xfrm>
+            <a:off x="473400" y="3065891"/>
+            <a:ext cx="645116" cy="311573"/>
+          </a:xfrm>
+          <a:prstGeom prst="rect">
+            <a:avLst/>
+          </a:prstGeom>
+        </p:spPr>
+      </p:pic>
+      <p:pic>
+        <p:nvPicPr>
+          <p:cNvPr id="1038" name="Picture 14" descr="bloomberg iconçåçæå°çµæ">
+            <a:extLst>
+              <a:ext uri="{FF2B5EF4-FFF2-40B4-BE49-F238E27FC236}">
+                <a16:creationId xmlns:a16="http://schemas.microsoft.com/office/drawing/2014/main" id="{0EC036D4-A75C-4997-80D3-8B32F896DE99}"/>
+              </a:ext>
+            </a:extLst>
+          </p:cNvPr>
+          <p:cNvPicPr>
+            <a:picLocks noChangeAspect="1" noChangeArrowheads="1"/>
+          </p:cNvPicPr>
+          <p:nvPr/>
+        </p:nvPicPr>
+        <p:blipFill>
+          <a:blip r:embed="rId8" cstate="print">
+            <a:extLst>
+              <a:ext uri="{28A0092B-C50C-407E-A947-70E740481C1C}">
+                <a14:useLocalDpi xmlns:a14="http://schemas.microsoft.com/office/drawing/2010/main" val="0"/>
+              </a:ext>
+            </a:extLst>
+          </a:blip>
+          <a:srcRect/>
+          <a:stretch>
+            <a:fillRect/>
+          </a:stretch>
+        </p:blipFill>
+        <p:spPr bwMode="auto">
+          <a:xfrm>
+            <a:off x="525259" y="4339485"/>
+            <a:ext cx="441000" cy="441000"/>
+          </a:xfrm>
+          <a:prstGeom prst="rect">
+            <a:avLst/>
+          </a:prstGeom>
+          <a:noFill/>
+          <a:extLst>
+            <a:ext uri="{909E8E84-426E-40DD-AFC4-6F175D3DCCD1}">
+              <a14:hiddenFill xmlns:a14="http://schemas.microsoft.com/office/drawing/2010/main">
+                <a:solidFill>
+                  <a:srgbClr val="FFFFFF"/>
+                </a:solidFill>
+              </a14:hiddenFill>
+            </a:ext>
+          </a:extLst>
+        </p:spPr>
+      </p:pic>
+      <p:pic>
+        <p:nvPicPr>
+          <p:cNvPr id="1040" name="Picture 16" descr="twitter iconçåçæå°çµæ">
+            <a:extLst>
+              <a:ext uri="{FF2B5EF4-FFF2-40B4-BE49-F238E27FC236}">
+                <a16:creationId xmlns:a16="http://schemas.microsoft.com/office/drawing/2014/main" id="{898150B3-921F-43C6-8BAA-2E143A6FD7D3}"/>
+              </a:ext>
+            </a:extLst>
+          </p:cNvPr>
+          <p:cNvPicPr>
+            <a:picLocks noChangeAspect="1" noChangeArrowheads="1"/>
+          </p:cNvPicPr>
+          <p:nvPr/>
+        </p:nvPicPr>
+        <p:blipFill>
+          <a:blip r:embed="rId9" cstate="print">
+            <a:extLst>
+              <a:ext uri="{28A0092B-C50C-407E-A947-70E740481C1C}">
+                <a14:useLocalDpi xmlns:a14="http://schemas.microsoft.com/office/drawing/2010/main" val="0"/>
+              </a:ext>
+            </a:extLst>
+          </a:blip>
+          <a:srcRect/>
+          <a:stretch>
+            <a:fillRect/>
+          </a:stretch>
+        </p:blipFill>
+        <p:spPr bwMode="auto">
+          <a:xfrm>
+            <a:off x="1196172" y="4685341"/>
+            <a:ext cx="441000" cy="441000"/>
+          </a:xfrm>
+          <a:prstGeom prst="rect">
+            <a:avLst/>
+          </a:prstGeom>
+          <a:noFill/>
+          <a:extLst>
+            <a:ext uri="{909E8E84-426E-40DD-AFC4-6F175D3DCCD1}">
+              <a14:hiddenFill xmlns:a14="http://schemas.microsoft.com/office/drawing/2010/main">
+                <a:solidFill>
+                  <a:srgbClr val="FFFFFF"/>
+                </a:solidFill>
+              </a14:hiddenFill>
+            </a:ext>
+          </a:extLst>
+        </p:spPr>
+      </p:pic>
+      <p:cxnSp>
+        <p:nvCxnSpPr>
+          <p:cNvPr id="13" name="Straight Arrow Connector 12">
+            <a:extLst>
+              <a:ext uri="{FF2B5EF4-FFF2-40B4-BE49-F238E27FC236}">
+                <a16:creationId xmlns:a16="http://schemas.microsoft.com/office/drawing/2014/main" id="{0944125F-C810-4DB4-8B48-1CB9248DBA82}"/>
+              </a:ext>
+            </a:extLst>
+          </p:cNvPr>
+          <p:cNvCxnSpPr>
+            <a:cxnSpLocks/>
+          </p:cNvCxnSpPr>
+          <p:nvPr/>
+        </p:nvCxnSpPr>
+        <p:spPr>
+          <a:xfrm>
+            <a:off x="1831067" y="3681028"/>
+            <a:ext cx="940733" cy="0"/>
+          </a:xfrm>
+          <a:prstGeom prst="straightConnector1">
+            <a:avLst/>
+          </a:prstGeom>
+          <a:ln>
+            <a:tailEnd type="triangle"/>
+          </a:ln>
+        </p:spPr>
+        <p:style>
+          <a:lnRef idx="1">
+            <a:schemeClr val="accent1"/>
+          </a:lnRef>
+          <a:fillRef idx="0">
+            <a:schemeClr val="accent1"/>
+          </a:fillRef>
+          <a:effectRef idx="0">
+            <a:schemeClr val="accent1"/>
+          </a:effectRef>
+          <a:fontRef idx="minor">
+            <a:schemeClr val="tx1"/>
+          </a:fontRef>
+        </p:style>
+      </p:cxnSp>
+      <p:pic>
+        <p:nvPicPr>
+          <p:cNvPr id="1042" name="Picture 18" descr="database iconçåçæå°çµæ">
+            <a:extLst>
+              <a:ext uri="{FF2B5EF4-FFF2-40B4-BE49-F238E27FC236}">
+                <a16:creationId xmlns:a16="http://schemas.microsoft.com/office/drawing/2014/main" id="{5A7D9937-D83E-4E66-94A5-BD0967D4DC8B}"/>
+              </a:ext>
+            </a:extLst>
+          </p:cNvPr>
+          <p:cNvPicPr>
+            <a:picLocks noChangeAspect="1" noChangeArrowheads="1"/>
+          </p:cNvPicPr>
+          <p:nvPr/>
+        </p:nvPicPr>
+        <p:blipFill>
+          <a:blip r:embed="rId10" cstate="print">
+            <a:extLst>
+              <a:ext uri="{28A0092B-C50C-407E-A947-70E740481C1C}">
+                <a14:useLocalDpi xmlns:a14="http://schemas.microsoft.com/office/drawing/2010/main" val="0"/>
+              </a:ext>
+            </a:extLst>
+          </a:blip>
+          <a:srcRect/>
+          <a:stretch>
+            <a:fillRect/>
+          </a:stretch>
+        </p:blipFill>
+        <p:spPr bwMode="auto">
+          <a:xfrm>
+            <a:off x="2843808" y="3397932"/>
+            <a:ext cx="566192" cy="566192"/>
+          </a:xfrm>
+          <a:prstGeom prst="rect">
+            <a:avLst/>
+          </a:prstGeom>
+          <a:noFill/>
+          <a:extLst>
+            <a:ext uri="{909E8E84-426E-40DD-AFC4-6F175D3DCCD1}">
+              <a14:hiddenFill xmlns:a14="http://schemas.microsoft.com/office/drawing/2010/main">
+                <a:solidFill>
+                  <a:srgbClr val="FFFFFF"/>
+                </a:solidFill>
+              </a14:hiddenFill>
+            </a:ext>
+          </a:extLst>
+        </p:spPr>
+      </p:pic>
+      <p:sp>
+        <p:nvSpPr>
+          <p:cNvPr id="25" name="TextBox 24">
+            <a:extLst>
+              <a:ext uri="{FF2B5EF4-FFF2-40B4-BE49-F238E27FC236}">
+                <a16:creationId xmlns:a16="http://schemas.microsoft.com/office/drawing/2014/main" id="{883D4988-7C7C-46F3-9CA6-19B4FBE06E3C}"/>
+              </a:ext>
+            </a:extLst>
+          </p:cNvPr>
+          <p:cNvSpPr txBox="1"/>
+          <p:nvPr/>
+        </p:nvSpPr>
+        <p:spPr>
+          <a:xfrm>
+            <a:off x="2599547" y="4021396"/>
+            <a:ext cx="1079808" cy="369332"/>
+          </a:xfrm>
+          <a:prstGeom prst="rect">
+            <a:avLst/>
+          </a:prstGeom>
+          <a:noFill/>
+        </p:spPr>
+        <p:txBody>
+          <a:bodyPr wrap="square" rtlCol="0">
+            <a:spAutoFit/>
+          </a:bodyPr>
+          <a:lstStyle/>
+          <a:p>
+            <a:r>
+              <a:rPr lang="en-GB" dirty="0"/>
+              <a:t>Database</a:t>
+            </a:r>
+          </a:p>
+        </p:txBody>
+      </p:sp>
+      <p:pic>
+        <p:nvPicPr>
+          <p:cNvPr id="19" name="Picture 18">
+            <a:extLst>
+              <a:ext uri="{FF2B5EF4-FFF2-40B4-BE49-F238E27FC236}">
+                <a16:creationId xmlns:a16="http://schemas.microsoft.com/office/drawing/2014/main" id="{77F2CD25-4745-473F-A46F-6DD4F1DC7C3C}"/>
+              </a:ext>
+            </a:extLst>
+          </p:cNvPr>
+          <p:cNvPicPr>
+            <a:picLocks noChangeAspect="1"/>
+          </p:cNvPicPr>
+          <p:nvPr/>
+        </p:nvPicPr>
+        <p:blipFill>
+          <a:blip r:embed="rId11"/>
+          <a:stretch>
+            <a:fillRect/>
+          </a:stretch>
+        </p:blipFill>
+        <p:spPr>
+          <a:xfrm>
+            <a:off x="1919942" y="2868603"/>
+            <a:ext cx="711523" cy="711523"/>
+          </a:xfrm>
+          <a:prstGeom prst="rect">
+            <a:avLst/>
+          </a:prstGeom>
+        </p:spPr>
+      </p:pic>
+      <p:sp>
+        <p:nvSpPr>
+          <p:cNvPr id="27" name="Arrow: U-Turn 26">
+            <a:extLst>
+              <a:ext uri="{FF2B5EF4-FFF2-40B4-BE49-F238E27FC236}">
+                <a16:creationId xmlns:a16="http://schemas.microsoft.com/office/drawing/2014/main" id="{50BFF3C4-E390-4BCC-98CD-7F917314A971}"/>
+              </a:ext>
+            </a:extLst>
+          </p:cNvPr>
+          <p:cNvSpPr/>
+          <p:nvPr/>
+        </p:nvSpPr>
+        <p:spPr>
+          <a:xfrm>
+            <a:off x="2905944" y="2800604"/>
+            <a:ext cx="504056" cy="540056"/>
+          </a:xfrm>
+          <a:prstGeom prst="uturnArrow">
+            <a:avLst/>
+          </a:prstGeom>
+        </p:spPr>
+        <p:style>
+          <a:lnRef idx="2">
+            <a:schemeClr val="accent1"/>
+          </a:lnRef>
+          <a:fillRef idx="1">
+            <a:schemeClr val="lt1"/>
+          </a:fillRef>
+          <a:effectRef idx="0">
+            <a:schemeClr val="accent1"/>
+          </a:effectRef>
+          <a:fontRef idx="minor">
+            <a:schemeClr val="dk1"/>
+          </a:fontRef>
+        </p:style>
+        <p:txBody>
+          <a:bodyPr rtlCol="0" anchor="ctr"/>
+          <a:lstStyle/>
+          <a:p>
+            <a:pPr algn="ctr"/>
+            <a:endParaRPr lang="en-GB">
+              <a:solidFill>
+                <a:schemeClr val="tx1"/>
+              </a:solidFill>
+            </a:endParaRPr>
+          </a:p>
+        </p:txBody>
+      </p:sp>
+      <p:sp>
+        <p:nvSpPr>
+          <p:cNvPr id="34" name="TextBox 33">
+            <a:extLst>
+              <a:ext uri="{FF2B5EF4-FFF2-40B4-BE49-F238E27FC236}">
+                <a16:creationId xmlns:a16="http://schemas.microsoft.com/office/drawing/2014/main" id="{1041583F-71AE-4E9C-8C34-20C316F2BB35}"/>
+              </a:ext>
+            </a:extLst>
+          </p:cNvPr>
+          <p:cNvSpPr txBox="1"/>
+          <p:nvPr/>
+        </p:nvSpPr>
+        <p:spPr>
+          <a:xfrm>
+            <a:off x="2625494" y="2380444"/>
+            <a:ext cx="1079808" cy="430887"/>
+          </a:xfrm>
+          <a:prstGeom prst="rect">
+            <a:avLst/>
+          </a:prstGeom>
+          <a:noFill/>
+        </p:spPr>
+        <p:txBody>
+          <a:bodyPr wrap="square" rtlCol="0">
+            <a:spAutoFit/>
+          </a:bodyPr>
+          <a:lstStyle/>
+          <a:p>
+            <a:r>
+              <a:rPr lang="en-GB" sz="1100" dirty="0"/>
+              <a:t>Data Warehousing</a:t>
+            </a:r>
+          </a:p>
+        </p:txBody>
+      </p:sp>
+      <p:pic>
+        <p:nvPicPr>
+          <p:cNvPr id="1052" name="Picture 28" descr="t-sql iconçåçæå°çµæ">
+            <a:extLst>
+              <a:ext uri="{FF2B5EF4-FFF2-40B4-BE49-F238E27FC236}">
+                <a16:creationId xmlns:a16="http://schemas.microsoft.com/office/drawing/2014/main" id="{F0E5A110-8257-4BD4-B84E-88DE06F1F0D9}"/>
+              </a:ext>
+            </a:extLst>
+          </p:cNvPr>
+          <p:cNvPicPr>
+            <a:picLocks noChangeAspect="1" noChangeArrowheads="1"/>
+          </p:cNvPicPr>
+          <p:nvPr/>
+        </p:nvPicPr>
+        <p:blipFill>
+          <a:blip r:embed="rId12" cstate="print">
+            <a:extLst>
+              <a:ext uri="{28A0092B-C50C-407E-A947-70E740481C1C}">
+                <a14:useLocalDpi xmlns:a14="http://schemas.microsoft.com/office/drawing/2010/main" val="0"/>
+              </a:ext>
+            </a:extLst>
+          </a:blip>
+          <a:srcRect/>
+          <a:stretch>
+            <a:fillRect/>
+          </a:stretch>
+        </p:blipFill>
+        <p:spPr bwMode="auto">
+          <a:xfrm>
+            <a:off x="2627784" y="2019677"/>
+            <a:ext cx="470571" cy="374154"/>
+          </a:xfrm>
+          <a:prstGeom prst="rect">
+            <a:avLst/>
+          </a:prstGeom>
+          <a:noFill/>
+          <a:extLst>
+            <a:ext uri="{909E8E84-426E-40DD-AFC4-6F175D3DCCD1}">
+              <a14:hiddenFill xmlns:a14="http://schemas.microsoft.com/office/drawing/2010/main">
+                <a:solidFill>
+                  <a:srgbClr val="FFFFFF"/>
+                </a:solidFill>
+              </a14:hiddenFill>
+            </a:ext>
+          </a:extLst>
+        </p:spPr>
+      </p:pic>
+      <p:pic>
+        <p:nvPicPr>
+          <p:cNvPr id="1054" name="Picture 30" descr="data factory iconçåçæå°çµæ">
+            <a:extLst>
+              <a:ext uri="{FF2B5EF4-FFF2-40B4-BE49-F238E27FC236}">
+                <a16:creationId xmlns:a16="http://schemas.microsoft.com/office/drawing/2014/main" id="{308BCB7F-F0FE-40B2-A106-694A0DEB0679}"/>
+              </a:ext>
+            </a:extLst>
+          </p:cNvPr>
+          <p:cNvPicPr>
+            <a:picLocks noChangeAspect="1" noChangeArrowheads="1"/>
+          </p:cNvPicPr>
+          <p:nvPr/>
+        </p:nvPicPr>
+        <p:blipFill>
+          <a:blip r:embed="rId13" cstate="print">
+            <a:extLst>
+              <a:ext uri="{28A0092B-C50C-407E-A947-70E740481C1C}">
+                <a14:useLocalDpi xmlns:a14="http://schemas.microsoft.com/office/drawing/2010/main" val="0"/>
+              </a:ext>
+            </a:extLst>
+          </a:blip>
+          <a:srcRect/>
+          <a:stretch>
+            <a:fillRect/>
+          </a:stretch>
+        </p:blipFill>
+        <p:spPr bwMode="auto">
+          <a:xfrm>
+            <a:off x="2928778" y="2009134"/>
+            <a:ext cx="750577" cy="394053"/>
+          </a:xfrm>
+          <a:prstGeom prst="rect">
+            <a:avLst/>
+          </a:prstGeom>
+          <a:noFill/>
+          <a:extLst>
+            <a:ext uri="{909E8E84-426E-40DD-AFC4-6F175D3DCCD1}">
+              <a14:hiddenFill xmlns:a14="http://schemas.microsoft.com/office/drawing/2010/main">
+                <a:solidFill>
+                  <a:srgbClr val="FFFFFF"/>
+                </a:solidFill>
+              </a14:hiddenFill>
+            </a:ext>
+          </a:extLst>
+        </p:spPr>
+      </p:pic>
+      <p:sp>
+        <p:nvSpPr>
+          <p:cNvPr id="42" name="TextBox 41">
+            <a:extLst>
+              <a:ext uri="{FF2B5EF4-FFF2-40B4-BE49-F238E27FC236}">
+                <a16:creationId xmlns:a16="http://schemas.microsoft.com/office/drawing/2014/main" id="{E740D348-7884-4E42-A85E-FF2094EEE2C3}"/>
+              </a:ext>
+            </a:extLst>
+          </p:cNvPr>
+          <p:cNvSpPr txBox="1"/>
+          <p:nvPr/>
+        </p:nvSpPr>
+        <p:spPr>
+          <a:xfrm>
+            <a:off x="2625494" y="1282352"/>
+            <a:ext cx="1079808" cy="738664"/>
+          </a:xfrm>
+          <a:prstGeom prst="rect">
+            <a:avLst/>
+          </a:prstGeom>
+          <a:noFill/>
+        </p:spPr>
+        <p:txBody>
+          <a:bodyPr wrap="square" rtlCol="0">
+            <a:spAutoFit/>
+          </a:bodyPr>
+          <a:lstStyle/>
+          <a:p>
+            <a:r>
+              <a:rPr lang="en-GB" sz="1400" dirty="0"/>
+              <a:t>T/U-SQL</a:t>
             </a:r>
             <a:br>
-              <a:rPr lang="en-US" altLang="zh-TW" dirty="0"/>
+              <a:rPr lang="en-GB" sz="1400" dirty="0"/>
             </a:br>
             <a:r>
-              <a:rPr lang="en-US" altLang="zh-TW" dirty="0"/>
-              <a:t>10 years experience in R / SAS / SPSS</a:t>
-            </a:r>
-            <a:br>
-              <a:rPr lang="en-US" altLang="zh-TW" dirty="0"/>
-            </a:br>
-            <a:r>
-              <a:rPr lang="en-US" altLang="zh-TW" dirty="0"/>
-              <a:t>3 years experience in Python</a:t>
-            </a:r>
-          </a:p>
-          <a:p>
-            <a:r>
-              <a:rPr lang="en-US" altLang="zh-TW" dirty="0"/>
-              <a:t>Data Visualizer: Tableau, Power BI</a:t>
-            </a:r>
-            <a:br>
-              <a:rPr lang="en-US" altLang="zh-TW" dirty="0"/>
-            </a:br>
-            <a:br>
-              <a:rPr lang="en-US" altLang="zh-TW" dirty="0"/>
-            </a:br>
-            <a:br>
-              <a:rPr lang="en-US" altLang="zh-TW" dirty="0"/>
-            </a:br>
-            <a:r>
-              <a:rPr lang="en-US" altLang="zh-TW" dirty="0"/>
-              <a:t>(Add data flow chart, and indicate the importance: 10 year R but 3 year python)</a:t>
-            </a:r>
-            <a:endParaRPr lang="zh-TW" altLang="en-US" dirty="0"/>
-          </a:p>
-        </p:txBody>
-      </p:sp>
+              <a:rPr lang="en-GB" sz="1400" dirty="0"/>
+              <a:t>Azure Data Factory</a:t>
+            </a:r>
+          </a:p>
+        </p:txBody>
+      </p:sp>
+      <p:cxnSp>
+        <p:nvCxnSpPr>
+          <p:cNvPr id="43" name="Straight Arrow Connector 42">
+            <a:extLst>
+              <a:ext uri="{FF2B5EF4-FFF2-40B4-BE49-F238E27FC236}">
+                <a16:creationId xmlns:a16="http://schemas.microsoft.com/office/drawing/2014/main" id="{FC32F07F-2C9F-47EC-8254-E32C202D19BD}"/>
+              </a:ext>
+            </a:extLst>
+          </p:cNvPr>
+          <p:cNvCxnSpPr>
+            <a:cxnSpLocks/>
+          </p:cNvCxnSpPr>
+          <p:nvPr/>
+        </p:nvCxnSpPr>
+        <p:spPr>
+          <a:xfrm>
+            <a:off x="3563888" y="3681028"/>
+            <a:ext cx="936104" cy="0"/>
+          </a:xfrm>
+          <a:prstGeom prst="straightConnector1">
+            <a:avLst/>
+          </a:prstGeom>
+          <a:ln>
+            <a:tailEnd type="triangle"/>
+          </a:ln>
+        </p:spPr>
+        <p:style>
+          <a:lnRef idx="1">
+            <a:schemeClr val="accent1"/>
+          </a:lnRef>
+          <a:fillRef idx="0">
+            <a:schemeClr val="accent1"/>
+          </a:fillRef>
+          <a:effectRef idx="0">
+            <a:schemeClr val="accent1"/>
+          </a:effectRef>
+          <a:fontRef idx="minor">
+            <a:schemeClr val="tx1"/>
+          </a:fontRef>
+        </p:style>
+      </p:cxnSp>
+      <p:sp>
+        <p:nvSpPr>
+          <p:cNvPr id="44" name="Rectangle: Rounded Corners 43">
+            <a:extLst>
+              <a:ext uri="{FF2B5EF4-FFF2-40B4-BE49-F238E27FC236}">
+                <a16:creationId xmlns:a16="http://schemas.microsoft.com/office/drawing/2014/main" id="{C7DDCA17-2A04-4AE7-B000-E4D29127A956}"/>
+              </a:ext>
+            </a:extLst>
+          </p:cNvPr>
+          <p:cNvSpPr/>
+          <p:nvPr/>
+        </p:nvSpPr>
+        <p:spPr>
+          <a:xfrm>
+            <a:off x="4499379" y="1124744"/>
+            <a:ext cx="1440160" cy="4824536"/>
+          </a:xfrm>
+          <a:prstGeom prst="roundRect">
+            <a:avLst/>
+          </a:prstGeom>
+        </p:spPr>
+        <p:style>
+          <a:lnRef idx="2">
+            <a:schemeClr val="accent1"/>
+          </a:lnRef>
+          <a:fillRef idx="1">
+            <a:schemeClr val="lt1"/>
+          </a:fillRef>
+          <a:effectRef idx="0">
+            <a:schemeClr val="accent1"/>
+          </a:effectRef>
+          <a:fontRef idx="minor">
+            <a:schemeClr val="dk1"/>
+          </a:fontRef>
+        </p:style>
+        <p:txBody>
+          <a:bodyPr rtlCol="0" anchor="ctr"/>
+          <a:lstStyle/>
+          <a:p>
+            <a:pPr algn="ctr"/>
+            <a:endParaRPr lang="en-GB"/>
+          </a:p>
+        </p:txBody>
+      </p:sp>
+      <p:pic>
+        <p:nvPicPr>
+          <p:cNvPr id="1056" name="Picture 32" descr="data analysis iconçåçæå°çµæ">
+            <a:extLst>
+              <a:ext uri="{FF2B5EF4-FFF2-40B4-BE49-F238E27FC236}">
+                <a16:creationId xmlns:a16="http://schemas.microsoft.com/office/drawing/2014/main" id="{2FF8DEFC-37FA-48F6-A88C-33D3AEF04A07}"/>
+              </a:ext>
+            </a:extLst>
+          </p:cNvPr>
+          <p:cNvPicPr>
+            <a:picLocks noChangeAspect="1" noChangeArrowheads="1"/>
+          </p:cNvPicPr>
+          <p:nvPr/>
+        </p:nvPicPr>
+        <p:blipFill>
+          <a:blip r:embed="rId14" cstate="print">
+            <a:extLst>
+              <a:ext uri="{28A0092B-C50C-407E-A947-70E740481C1C}">
+                <a14:useLocalDpi xmlns:a14="http://schemas.microsoft.com/office/drawing/2010/main" val="0"/>
+              </a:ext>
+            </a:extLst>
+          </a:blip>
+          <a:srcRect/>
+          <a:stretch>
+            <a:fillRect/>
+          </a:stretch>
+        </p:blipFill>
+        <p:spPr bwMode="auto">
+          <a:xfrm>
+            <a:off x="4638995" y="1176382"/>
+            <a:ext cx="520147" cy="520147"/>
+          </a:xfrm>
+          <a:prstGeom prst="rect">
+            <a:avLst/>
+          </a:prstGeom>
+          <a:noFill/>
+          <a:extLst>
+            <a:ext uri="{909E8E84-426E-40DD-AFC4-6F175D3DCCD1}">
+              <a14:hiddenFill xmlns:a14="http://schemas.microsoft.com/office/drawing/2010/main">
+                <a:solidFill>
+                  <a:srgbClr val="FFFFFF"/>
+                </a:solidFill>
+              </a14:hiddenFill>
+            </a:ext>
+          </a:extLst>
+        </p:spPr>
+      </p:pic>
+      <p:sp>
+        <p:nvSpPr>
+          <p:cNvPr id="47" name="TextBox 46">
+            <a:extLst>
+              <a:ext uri="{FF2B5EF4-FFF2-40B4-BE49-F238E27FC236}">
+                <a16:creationId xmlns:a16="http://schemas.microsoft.com/office/drawing/2014/main" id="{B1BB0340-55EA-4745-9910-3E6DC7DEA75D}"/>
+              </a:ext>
+            </a:extLst>
+          </p:cNvPr>
+          <p:cNvSpPr txBox="1"/>
+          <p:nvPr/>
+        </p:nvSpPr>
+        <p:spPr>
+          <a:xfrm>
+            <a:off x="4578688" y="1652223"/>
+            <a:ext cx="1145440" cy="923330"/>
+          </a:xfrm>
+          <a:prstGeom prst="rect">
+            <a:avLst/>
+          </a:prstGeom>
+          <a:noFill/>
+        </p:spPr>
+        <p:txBody>
+          <a:bodyPr wrap="square" rtlCol="0">
+            <a:spAutoFit/>
+          </a:bodyPr>
+          <a:lstStyle/>
+          <a:p>
+            <a:r>
+              <a:rPr lang="en-GB" dirty="0"/>
+              <a:t>Data Analysis / Modelling</a:t>
+            </a:r>
+          </a:p>
+        </p:txBody>
+      </p:sp>
+      <p:pic>
+        <p:nvPicPr>
+          <p:cNvPr id="1058" name="Picture 34" descr="R iconçåçæå°çµæ">
+            <a:extLst>
+              <a:ext uri="{FF2B5EF4-FFF2-40B4-BE49-F238E27FC236}">
+                <a16:creationId xmlns:a16="http://schemas.microsoft.com/office/drawing/2014/main" id="{AB23EF98-5AB9-47F2-A890-482DD735F159}"/>
+              </a:ext>
+            </a:extLst>
+          </p:cNvPr>
+          <p:cNvPicPr>
+            <a:picLocks noChangeAspect="1" noChangeArrowheads="1"/>
+          </p:cNvPicPr>
+          <p:nvPr/>
+        </p:nvPicPr>
+        <p:blipFill>
+          <a:blip r:embed="rId15" cstate="print">
+            <a:extLst>
+              <a:ext uri="{28A0092B-C50C-407E-A947-70E740481C1C}">
+                <a14:useLocalDpi xmlns:a14="http://schemas.microsoft.com/office/drawing/2010/main" val="0"/>
+              </a:ext>
+            </a:extLst>
+          </a:blip>
+          <a:srcRect/>
+          <a:stretch>
+            <a:fillRect/>
+          </a:stretch>
+        </p:blipFill>
+        <p:spPr bwMode="auto">
+          <a:xfrm>
+            <a:off x="4631696" y="2697240"/>
+            <a:ext cx="479725" cy="371720"/>
+          </a:xfrm>
+          <a:prstGeom prst="rect">
+            <a:avLst/>
+          </a:prstGeom>
+          <a:noFill/>
+          <a:extLst>
+            <a:ext uri="{909E8E84-426E-40DD-AFC4-6F175D3DCCD1}">
+              <a14:hiddenFill xmlns:a14="http://schemas.microsoft.com/office/drawing/2010/main">
+                <a:solidFill>
+                  <a:srgbClr val="FFFFFF"/>
+                </a:solidFill>
+              </a14:hiddenFill>
+            </a:ext>
+          </a:extLst>
+        </p:spPr>
+      </p:pic>
+      <p:pic>
+        <p:nvPicPr>
+          <p:cNvPr id="1060" name="Picture 36" descr="SAS iconçåçæå°çµæ">
+            <a:extLst>
+              <a:ext uri="{FF2B5EF4-FFF2-40B4-BE49-F238E27FC236}">
+                <a16:creationId xmlns:a16="http://schemas.microsoft.com/office/drawing/2014/main" id="{165DFE3F-0B6A-4EB0-B3A0-BE9ED97F58A5}"/>
+              </a:ext>
+            </a:extLst>
+          </p:cNvPr>
+          <p:cNvPicPr>
+            <a:picLocks noChangeAspect="1" noChangeArrowheads="1"/>
+          </p:cNvPicPr>
+          <p:nvPr/>
+        </p:nvPicPr>
+        <p:blipFill>
+          <a:blip r:embed="rId16" cstate="print">
+            <a:extLst>
+              <a:ext uri="{28A0092B-C50C-407E-A947-70E740481C1C}">
+                <a14:useLocalDpi xmlns:a14="http://schemas.microsoft.com/office/drawing/2010/main" val="0"/>
+              </a:ext>
+            </a:extLst>
+          </a:blip>
+          <a:srcRect/>
+          <a:stretch>
+            <a:fillRect/>
+          </a:stretch>
+        </p:blipFill>
+        <p:spPr bwMode="auto">
+          <a:xfrm>
+            <a:off x="5003495" y="2581898"/>
+            <a:ext cx="964040" cy="398680"/>
+          </a:xfrm>
+          <a:prstGeom prst="rect">
+            <a:avLst/>
+          </a:prstGeom>
+          <a:noFill/>
+          <a:extLst>
+            <a:ext uri="{909E8E84-426E-40DD-AFC4-6F175D3DCCD1}">
+              <a14:hiddenFill xmlns:a14="http://schemas.microsoft.com/office/drawing/2010/main">
+                <a:solidFill>
+                  <a:srgbClr val="FFFFFF"/>
+                </a:solidFill>
+              </a14:hiddenFill>
+            </a:ext>
+          </a:extLst>
+        </p:spPr>
+      </p:pic>
+      <p:pic>
+        <p:nvPicPr>
+          <p:cNvPr id="1062" name="Picture 38" descr="SPSS iconçåçæå°çµæ">
+            <a:extLst>
+              <a:ext uri="{FF2B5EF4-FFF2-40B4-BE49-F238E27FC236}">
+                <a16:creationId xmlns:a16="http://schemas.microsoft.com/office/drawing/2014/main" id="{24512B03-CA58-42DA-9356-9C9D81991F08}"/>
+              </a:ext>
+            </a:extLst>
+          </p:cNvPr>
+          <p:cNvPicPr>
+            <a:picLocks noChangeAspect="1" noChangeArrowheads="1"/>
+          </p:cNvPicPr>
+          <p:nvPr/>
+        </p:nvPicPr>
+        <p:blipFill>
+          <a:blip r:embed="rId17" cstate="print">
+            <a:extLst>
+              <a:ext uri="{28A0092B-C50C-407E-A947-70E740481C1C}">
+                <a14:useLocalDpi xmlns:a14="http://schemas.microsoft.com/office/drawing/2010/main" val="0"/>
+              </a:ext>
+            </a:extLst>
+          </a:blip>
+          <a:srcRect/>
+          <a:stretch>
+            <a:fillRect/>
+          </a:stretch>
+        </p:blipFill>
+        <p:spPr bwMode="auto">
+          <a:xfrm>
+            <a:off x="5219458" y="2973115"/>
+            <a:ext cx="527446" cy="209455"/>
+          </a:xfrm>
+          <a:prstGeom prst="rect">
+            <a:avLst/>
+          </a:prstGeom>
+          <a:noFill/>
+          <a:extLst>
+            <a:ext uri="{909E8E84-426E-40DD-AFC4-6F175D3DCCD1}">
+              <a14:hiddenFill xmlns:a14="http://schemas.microsoft.com/office/drawing/2010/main">
+                <a:solidFill>
+                  <a:srgbClr val="FFFFFF"/>
+                </a:solidFill>
+              </a14:hiddenFill>
+            </a:ext>
+          </a:extLst>
+        </p:spPr>
+      </p:pic>
+      <p:sp>
+        <p:nvSpPr>
+          <p:cNvPr id="35" name="Rectangle 34">
+            <a:extLst>
+              <a:ext uri="{FF2B5EF4-FFF2-40B4-BE49-F238E27FC236}">
+                <a16:creationId xmlns:a16="http://schemas.microsoft.com/office/drawing/2014/main" id="{7086774B-3E82-4441-9D04-09B311830D51}"/>
+              </a:ext>
+            </a:extLst>
+          </p:cNvPr>
+          <p:cNvSpPr/>
+          <p:nvPr/>
+        </p:nvSpPr>
+        <p:spPr>
+          <a:xfrm>
+            <a:off x="4216558" y="3140968"/>
+            <a:ext cx="2049920" cy="523220"/>
+          </a:xfrm>
+          <a:prstGeom prst="rect">
+            <a:avLst/>
+          </a:prstGeom>
+        </p:spPr>
+        <p:txBody>
+          <a:bodyPr wrap="square">
+            <a:spAutoFit/>
+          </a:bodyPr>
+          <a:lstStyle/>
+          <a:p>
+            <a:pPr algn="ctr"/>
+            <a:r>
+              <a:rPr lang="en-US" altLang="zh-TW" sz="1400" b="1" u="sng" dirty="0"/>
+              <a:t>R / SAS / SPSS</a:t>
+            </a:r>
+          </a:p>
+          <a:p>
+            <a:pPr algn="ctr"/>
+            <a:r>
+              <a:rPr lang="en-US" altLang="zh-TW" sz="1400" b="1" u="sng" dirty="0"/>
+              <a:t>10-yr experience</a:t>
+            </a:r>
+            <a:endParaRPr lang="en-GB" sz="1400" b="1" u="sng" dirty="0"/>
+          </a:p>
+        </p:txBody>
+      </p:sp>
+      <p:pic>
+        <p:nvPicPr>
+          <p:cNvPr id="1064" name="Picture 40" descr="Pythoniconçåçæå°çµæ">
+            <a:extLst>
+              <a:ext uri="{FF2B5EF4-FFF2-40B4-BE49-F238E27FC236}">
+                <a16:creationId xmlns:a16="http://schemas.microsoft.com/office/drawing/2014/main" id="{DFFD87AD-A37E-4E7E-8C42-7400E39ECBBC}"/>
+              </a:ext>
+            </a:extLst>
+          </p:cNvPr>
+          <p:cNvPicPr>
+            <a:picLocks noChangeAspect="1" noChangeArrowheads="1"/>
+          </p:cNvPicPr>
+          <p:nvPr/>
+        </p:nvPicPr>
+        <p:blipFill>
+          <a:blip r:embed="rId18">
+            <a:extLst>
+              <a:ext uri="{28A0092B-C50C-407E-A947-70E740481C1C}">
+                <a14:useLocalDpi xmlns:a14="http://schemas.microsoft.com/office/drawing/2010/main" val="0"/>
+              </a:ext>
+            </a:extLst>
+          </a:blip>
+          <a:srcRect/>
+          <a:stretch>
+            <a:fillRect/>
+          </a:stretch>
+        </p:blipFill>
+        <p:spPr bwMode="auto">
+          <a:xfrm>
+            <a:off x="4751099" y="3807762"/>
+            <a:ext cx="936717" cy="630723"/>
+          </a:xfrm>
+          <a:prstGeom prst="rect">
+            <a:avLst/>
+          </a:prstGeom>
+          <a:noFill/>
+          <a:extLst>
+            <a:ext uri="{909E8E84-426E-40DD-AFC4-6F175D3DCCD1}">
+              <a14:hiddenFill xmlns:a14="http://schemas.microsoft.com/office/drawing/2010/main">
+                <a:solidFill>
+                  <a:srgbClr val="FFFFFF"/>
+                </a:solidFill>
+              </a14:hiddenFill>
+            </a:ext>
+          </a:extLst>
+        </p:spPr>
+      </p:pic>
+      <p:sp>
+        <p:nvSpPr>
+          <p:cNvPr id="36" name="Rectangle 35">
+            <a:extLst>
+              <a:ext uri="{FF2B5EF4-FFF2-40B4-BE49-F238E27FC236}">
+                <a16:creationId xmlns:a16="http://schemas.microsoft.com/office/drawing/2014/main" id="{8E4C6EE5-E151-4190-AE88-AB916A2A337F}"/>
+              </a:ext>
+            </a:extLst>
+          </p:cNvPr>
+          <p:cNvSpPr/>
+          <p:nvPr/>
+        </p:nvSpPr>
+        <p:spPr>
+          <a:xfrm>
+            <a:off x="4574316" y="4509120"/>
+            <a:ext cx="1334404" cy="523220"/>
+          </a:xfrm>
+          <a:prstGeom prst="rect">
+            <a:avLst/>
+          </a:prstGeom>
+        </p:spPr>
+        <p:txBody>
+          <a:bodyPr wrap="none">
+            <a:spAutoFit/>
+          </a:bodyPr>
+          <a:lstStyle/>
+          <a:p>
+            <a:pPr algn="ctr"/>
+            <a:r>
+              <a:rPr lang="en-US" altLang="zh-TW" sz="1400" b="1" u="sng" dirty="0"/>
+              <a:t>Python</a:t>
+            </a:r>
+          </a:p>
+          <a:p>
+            <a:pPr algn="ctr"/>
+            <a:r>
+              <a:rPr lang="en-US" altLang="zh-TW" sz="1400" b="1" u="sng" dirty="0"/>
+              <a:t>3-yr experience</a:t>
+            </a:r>
+          </a:p>
+        </p:txBody>
+      </p:sp>
+      <p:cxnSp>
+        <p:nvCxnSpPr>
+          <p:cNvPr id="55" name="Straight Arrow Connector 54">
+            <a:extLst>
+              <a:ext uri="{FF2B5EF4-FFF2-40B4-BE49-F238E27FC236}">
+                <a16:creationId xmlns:a16="http://schemas.microsoft.com/office/drawing/2014/main" id="{63608628-33AE-4300-BB02-B741A8890DEC}"/>
+              </a:ext>
+            </a:extLst>
+          </p:cNvPr>
+          <p:cNvCxnSpPr>
+            <a:cxnSpLocks/>
+          </p:cNvCxnSpPr>
+          <p:nvPr/>
+        </p:nvCxnSpPr>
+        <p:spPr>
+          <a:xfrm>
+            <a:off x="5939539" y="3680767"/>
+            <a:ext cx="936104" cy="0"/>
+          </a:xfrm>
+          <a:prstGeom prst="straightConnector1">
+            <a:avLst/>
+          </a:prstGeom>
+          <a:ln>
+            <a:tailEnd type="triangle"/>
+          </a:ln>
+        </p:spPr>
+        <p:style>
+          <a:lnRef idx="1">
+            <a:schemeClr val="accent1"/>
+          </a:lnRef>
+          <a:fillRef idx="0">
+            <a:schemeClr val="accent1"/>
+          </a:fillRef>
+          <a:effectRef idx="0">
+            <a:schemeClr val="accent1"/>
+          </a:effectRef>
+          <a:fontRef idx="minor">
+            <a:schemeClr val="tx1"/>
+          </a:fontRef>
+        </p:style>
+      </p:cxnSp>
+      <p:sp>
+        <p:nvSpPr>
+          <p:cNvPr id="56" name="Rectangle: Rounded Corners 55">
+            <a:extLst>
+              <a:ext uri="{FF2B5EF4-FFF2-40B4-BE49-F238E27FC236}">
+                <a16:creationId xmlns:a16="http://schemas.microsoft.com/office/drawing/2014/main" id="{300E8FD9-1A9B-42E7-A8A7-7A3F8F06BA74}"/>
+              </a:ext>
+            </a:extLst>
+          </p:cNvPr>
+          <p:cNvSpPr/>
+          <p:nvPr/>
+        </p:nvSpPr>
+        <p:spPr>
+          <a:xfrm>
+            <a:off x="6875643" y="1124744"/>
+            <a:ext cx="1440160" cy="4900718"/>
+          </a:xfrm>
+          <a:prstGeom prst="roundRect">
+            <a:avLst/>
+          </a:prstGeom>
+        </p:spPr>
+        <p:style>
+          <a:lnRef idx="2">
+            <a:schemeClr val="accent1"/>
+          </a:lnRef>
+          <a:fillRef idx="1">
+            <a:schemeClr val="lt1"/>
+          </a:fillRef>
+          <a:effectRef idx="0">
+            <a:schemeClr val="accent1"/>
+          </a:effectRef>
+          <a:fontRef idx="minor">
+            <a:schemeClr val="dk1"/>
+          </a:fontRef>
+        </p:style>
+        <p:txBody>
+          <a:bodyPr rtlCol="0" anchor="ctr"/>
+          <a:lstStyle/>
+          <a:p>
+            <a:pPr algn="ctr"/>
+            <a:endParaRPr lang="en-GB"/>
+          </a:p>
+        </p:txBody>
+      </p:sp>
+      <p:pic>
+        <p:nvPicPr>
+          <p:cNvPr id="1066" name="Picture 42" descr="data visualization iconçåçæå°çµæ">
+            <a:extLst>
+              <a:ext uri="{FF2B5EF4-FFF2-40B4-BE49-F238E27FC236}">
+                <a16:creationId xmlns:a16="http://schemas.microsoft.com/office/drawing/2014/main" id="{62F40895-AB91-467C-AAC9-EA5797E5CD09}"/>
+              </a:ext>
+            </a:extLst>
+          </p:cNvPr>
+          <p:cNvPicPr>
+            <a:picLocks noChangeAspect="1" noChangeArrowheads="1"/>
+          </p:cNvPicPr>
+          <p:nvPr/>
+        </p:nvPicPr>
+        <p:blipFill>
+          <a:blip r:embed="rId19" cstate="print">
+            <a:extLst>
+              <a:ext uri="{28A0092B-C50C-407E-A947-70E740481C1C}">
+                <a14:useLocalDpi xmlns:a14="http://schemas.microsoft.com/office/drawing/2010/main" val="0"/>
+              </a:ext>
+            </a:extLst>
+          </a:blip>
+          <a:srcRect/>
+          <a:stretch>
+            <a:fillRect/>
+          </a:stretch>
+        </p:blipFill>
+        <p:spPr bwMode="auto">
+          <a:xfrm>
+            <a:off x="6948265" y="1173868"/>
+            <a:ext cx="528702" cy="526940"/>
+          </a:xfrm>
+          <a:prstGeom prst="rect">
+            <a:avLst/>
+          </a:prstGeom>
+          <a:noFill/>
+          <a:extLst>
+            <a:ext uri="{909E8E84-426E-40DD-AFC4-6F175D3DCCD1}">
+              <a14:hiddenFill xmlns:a14="http://schemas.microsoft.com/office/drawing/2010/main">
+                <a:solidFill>
+                  <a:srgbClr val="FFFFFF"/>
+                </a:solidFill>
+              </a14:hiddenFill>
+            </a:ext>
+          </a:extLst>
+        </p:spPr>
+      </p:pic>
+      <p:sp>
+        <p:nvSpPr>
+          <p:cNvPr id="58" name="TextBox 57">
+            <a:extLst>
+              <a:ext uri="{FF2B5EF4-FFF2-40B4-BE49-F238E27FC236}">
+                <a16:creationId xmlns:a16="http://schemas.microsoft.com/office/drawing/2014/main" id="{BE96DD77-C64E-428B-8942-BB127EDE5425}"/>
+              </a:ext>
+            </a:extLst>
+          </p:cNvPr>
+          <p:cNvSpPr txBox="1"/>
+          <p:nvPr/>
+        </p:nvSpPr>
+        <p:spPr>
+          <a:xfrm>
+            <a:off x="6948265" y="1652223"/>
+            <a:ext cx="1367538" cy="646331"/>
+          </a:xfrm>
+          <a:prstGeom prst="rect">
+            <a:avLst/>
+          </a:prstGeom>
+          <a:noFill/>
+        </p:spPr>
+        <p:txBody>
+          <a:bodyPr wrap="square" rtlCol="0">
+            <a:spAutoFit/>
+          </a:bodyPr>
+          <a:lstStyle/>
+          <a:p>
+            <a:r>
+              <a:rPr lang="en-GB" dirty="0"/>
+              <a:t>Data Visualization</a:t>
+            </a:r>
+          </a:p>
+        </p:txBody>
+      </p:sp>
+      <p:pic>
+        <p:nvPicPr>
+          <p:cNvPr id="1068" name="Picture 44" descr="tableau iconçåçæå°çµæ">
+            <a:extLst>
+              <a:ext uri="{FF2B5EF4-FFF2-40B4-BE49-F238E27FC236}">
+                <a16:creationId xmlns:a16="http://schemas.microsoft.com/office/drawing/2014/main" id="{D7B867EA-FCEB-4AD7-8C68-5D9E2AE24576}"/>
+              </a:ext>
+            </a:extLst>
+          </p:cNvPr>
+          <p:cNvPicPr>
+            <a:picLocks noChangeAspect="1" noChangeArrowheads="1"/>
+          </p:cNvPicPr>
+          <p:nvPr/>
+        </p:nvPicPr>
+        <p:blipFill>
+          <a:blip r:embed="rId20" cstate="print">
+            <a:extLst>
+              <a:ext uri="{28A0092B-C50C-407E-A947-70E740481C1C}">
+                <a14:useLocalDpi xmlns:a14="http://schemas.microsoft.com/office/drawing/2010/main" val="0"/>
+              </a:ext>
+            </a:extLst>
+          </a:blip>
+          <a:srcRect/>
+          <a:stretch>
+            <a:fillRect/>
+          </a:stretch>
+        </p:blipFill>
+        <p:spPr bwMode="auto">
+          <a:xfrm>
+            <a:off x="7036625" y="2487641"/>
+            <a:ext cx="1172187" cy="625925"/>
+          </a:xfrm>
+          <a:prstGeom prst="rect">
+            <a:avLst/>
+          </a:prstGeom>
+          <a:noFill/>
+          <a:extLst>
+            <a:ext uri="{909E8E84-426E-40DD-AFC4-6F175D3DCCD1}">
+              <a14:hiddenFill xmlns:a14="http://schemas.microsoft.com/office/drawing/2010/main">
+                <a:solidFill>
+                  <a:srgbClr val="FFFFFF"/>
+                </a:solidFill>
+              </a14:hiddenFill>
+            </a:ext>
+          </a:extLst>
+        </p:spPr>
+      </p:pic>
+      <p:pic>
+        <p:nvPicPr>
+          <p:cNvPr id="1070" name="Picture 46" descr="Power BI iconçåçæå°çµæ">
+            <a:extLst>
+              <a:ext uri="{FF2B5EF4-FFF2-40B4-BE49-F238E27FC236}">
+                <a16:creationId xmlns:a16="http://schemas.microsoft.com/office/drawing/2014/main" id="{D7E31065-D33C-4C68-936D-DA6EE4D55F41}"/>
+              </a:ext>
+            </a:extLst>
+          </p:cNvPr>
+          <p:cNvPicPr>
+            <a:picLocks noChangeAspect="1" noChangeArrowheads="1"/>
+          </p:cNvPicPr>
+          <p:nvPr/>
+        </p:nvPicPr>
+        <p:blipFill rotWithShape="1">
+          <a:blip r:embed="rId21">
+            <a:extLst>
+              <a:ext uri="{28A0092B-C50C-407E-A947-70E740481C1C}">
+                <a14:useLocalDpi xmlns:a14="http://schemas.microsoft.com/office/drawing/2010/main" val="0"/>
+              </a:ext>
+            </a:extLst>
+          </a:blip>
+          <a:srcRect l="19691" t="20149" r="16530" b="22689"/>
+          <a:stretch/>
+        </p:blipFill>
+        <p:spPr bwMode="auto">
+          <a:xfrm>
+            <a:off x="7131994" y="3322657"/>
+            <a:ext cx="927458" cy="831238"/>
+          </a:xfrm>
+          <a:prstGeom prst="rect">
+            <a:avLst/>
+          </a:prstGeom>
+          <a:noFill/>
+          <a:extLst>
+            <a:ext uri="{909E8E84-426E-40DD-AFC4-6F175D3DCCD1}">
+              <a14:hiddenFill xmlns:a14="http://schemas.microsoft.com/office/drawing/2010/main">
+                <a:solidFill>
+                  <a:srgbClr val="FFFFFF"/>
+                </a:solidFill>
+              </a14:hiddenFill>
+            </a:ext>
+          </a:extLst>
+        </p:spPr>
+      </p:pic>
     </p:spTree>
     <p:extLst>
       <p:ext uri="{BB962C8B-B14F-4D97-AF65-F5344CB8AC3E}">
-        <p14:creationId xmlns:p14="http://schemas.microsoft.com/office/powerpoint/2010/main" val="4095537876"/>
+        <p14:creationId xmlns:p14="http://schemas.microsoft.com/office/powerpoint/2010/main" val="2768537605"/>
       </p:ext>
     </p:extLst>
   </p:cSld>
@@ -8857,7 +10814,7 @@
           <p:nvPr/>
         </p:nvPicPr>
         <p:blipFill>
-          <a:blip r:embed="rId2">
+          <a:blip r:embed="rId3">
             <a:extLst>
               <a:ext uri="{28A0092B-C50C-407E-A947-70E740481C1C}">
                 <a14:useLocalDpi xmlns:a14="http://schemas.microsoft.com/office/drawing/2010/main" val="0"/>
@@ -9532,7 +11489,9 @@
         </p:nvSpPr>
         <p:spPr/>
         <p:txBody>
-          <a:bodyPr/>
+          <a:bodyPr>
+            <a:normAutofit/>
+          </a:bodyPr>
           <a:lstStyle/>
           <a:p>
             <a:r>
@@ -9548,6 +11507,13 @@
             </a:r>
           </a:p>
           <a:p>
+            <a:pPr lvl="1"/>
+            <a:r>
+              <a:rPr lang="en-US" altLang="zh-TW" dirty="0"/>
+              <a:t>e.g. search “numeric to string”</a:t>
+            </a:r>
+          </a:p>
+          <a:p>
             <a:r>
               <a:rPr lang="en-US" altLang="zh-TW" dirty="0"/>
               <a:t>?help</a:t>
@@ -9558,16 +11524,104 @@
             </a:r>
             <a:r>
               <a:rPr lang="en-US" altLang="zh-TW" dirty="0"/>
-              <a:t>(In </a:t>
-            </a:r>
-            <a:r>
-              <a:rPr lang="en-US" altLang="zh-TW" dirty="0" err="1"/>
-              <a:t>Spyder</a:t>
-            </a:r>
+              <a:t>(In Spyder, locate the function and press Ctrl-I)</a:t>
+            </a:r>
+          </a:p>
+          <a:p>
             <a:r>
               <a:rPr lang="en-US" altLang="zh-TW" dirty="0"/>
-              <a:t>, locate the function and press Ctrl-I)</a:t>
-            </a:r>
+              <a:t>Library document</a:t>
+            </a:r>
+          </a:p>
+          <a:p>
+            <a:pPr lvl="1"/>
+            <a:r>
+              <a:rPr lang="en-US" altLang="zh-TW" dirty="0">
+                <a:hlinkClick r:id="rId2"/>
+              </a:rPr>
+              <a:t>Python</a:t>
+            </a:r>
+            <a:r>
+              <a:rPr lang="en-US" altLang="zh-TW" dirty="0"/>
+              <a:t>, </a:t>
+            </a:r>
+            <a:r>
+              <a:rPr lang="en-US" altLang="zh-TW" dirty="0">
+                <a:hlinkClick r:id="rId3"/>
+              </a:rPr>
+              <a:t>Pandas</a:t>
+            </a:r>
+            <a:r>
+              <a:rPr lang="en-US" altLang="zh-TW" dirty="0"/>
+              <a:t>, </a:t>
+            </a:r>
+            <a:r>
+              <a:rPr lang="en-US" altLang="zh-TW" dirty="0" err="1">
+                <a:hlinkClick r:id="rId4"/>
+              </a:rPr>
+              <a:t>Numpy</a:t>
+            </a:r>
+            <a:r>
+              <a:rPr lang="en-US" altLang="zh-TW" dirty="0"/>
+              <a:t>, </a:t>
+            </a:r>
+            <a:r>
+              <a:rPr lang="en-US" altLang="zh-TW" dirty="0">
+                <a:hlinkClick r:id="rId5"/>
+              </a:rPr>
+              <a:t>Matplotlib</a:t>
+            </a:r>
+            <a:endParaRPr lang="en-US" altLang="zh-TW" dirty="0"/>
+          </a:p>
+          <a:p>
+            <a:pPr lvl="1"/>
+            <a:r>
+              <a:rPr lang="en-US" altLang="zh-TW" dirty="0" err="1">
+                <a:hlinkClick r:id="rId6"/>
+              </a:rPr>
+              <a:t>Statmodels</a:t>
+            </a:r>
+            <a:r>
+              <a:rPr lang="en-US" altLang="zh-TW" dirty="0"/>
+              <a:t>, </a:t>
+            </a:r>
+            <a:r>
+              <a:rPr lang="en-US" altLang="zh-TW" dirty="0" err="1">
+                <a:hlinkClick r:id="rId7"/>
+              </a:rPr>
+              <a:t>Scikit.learn</a:t>
+            </a:r>
+            <a:r>
+              <a:rPr lang="en-US" altLang="zh-TW" dirty="0"/>
+              <a:t>, </a:t>
+            </a:r>
+            <a:r>
+              <a:rPr lang="en-US" altLang="zh-TW" dirty="0" err="1">
+                <a:hlinkClick r:id="rId8"/>
+              </a:rPr>
+              <a:t>Scikit.Image</a:t>
+            </a:r>
+            <a:r>
+              <a:rPr lang="en-US" altLang="zh-TW" dirty="0"/>
+              <a:t>, </a:t>
+            </a:r>
+            <a:r>
+              <a:rPr lang="en-US" altLang="zh-TW" dirty="0" err="1">
+                <a:hlinkClick r:id="rId9"/>
+              </a:rPr>
+              <a:t>PyTorch</a:t>
+            </a:r>
+            <a:endParaRPr lang="en-US" altLang="zh-TW" dirty="0"/>
+          </a:p>
+          <a:p>
+            <a:pPr lvl="1"/>
+            <a:r>
+              <a:rPr lang="en-US" altLang="zh-TW" dirty="0" err="1">
+                <a:hlinkClick r:id="rId10"/>
+              </a:rPr>
+              <a:t>Tensorflow</a:t>
+            </a:r>
+            <a:endParaRPr lang="en-US" altLang="zh-TW" dirty="0"/>
           </a:p>
         </p:txBody>
       </p:sp>
@@ -9790,4 +11844,299 @@
   <a:objectDefaults/>
   <a:extraClrSchemeLst/>
 </a:theme>
+</file>
+
+<file path=ppt/theme/theme2.xml><?xml version="1.0" encoding="utf-8"?>
+<a:theme xmlns:a="http://schemas.openxmlformats.org/drawingml/2006/main" name="Office Theme">
+  <a:themeElements>
+    <a:clrScheme name="Office">
+      <a:dk1>
+        <a:sysClr val="windowText" lastClr="000000"/>
+      </a:dk1>
+      <a:lt1>
+        <a:sysClr val="window" lastClr="FFFFFF"/>
+      </a:lt1>
+      <a:dk2>
+        <a:srgbClr val="44546A"/>
+      </a:dk2>
+      <a:lt2>
+        <a:srgbClr val="E7E6E6"/>
+      </a:lt2>
+      <a:accent1>
+        <a:srgbClr val="4472C4"/>
+      </a:accent1>
+      <a:accent2>
+        <a:srgbClr val="ED7D31"/>
+      </a:accent2>
+      <a:accent3>
+        <a:srgbClr val="A5A5A5"/>
+      </a:accent3>
+      <a:accent4>
+        <a:srgbClr val="FFC000"/>
+      </a:accent4>
+      <a:accent5>
+        <a:srgbClr val="5B9BD5"/>
+      </a:accent5>
+      <a:accent6>
+        <a:srgbClr val="70AD47"/>
+      </a:accent6>
+      <a:hlink>
+        <a:srgbClr val="0563C1"/>
+      </a:hlink>
+      <a:folHlink>
+        <a:srgbClr val="954F72"/>
+      </a:folHlink>
+    </a:clrScheme>
+    <a:fontScheme name="Office">
+      <a:majorFont>
+        <a:latin typeface="Calibri Light" panose="020F0302020204030204"/>
+        <a:ea typeface=""/>
+        <a:cs typeface=""/>
+        <a:font script="Jpan" typeface="游ゴシック Light"/>
+        <a:font script="Hang" typeface="맑은 고딕"/>
+        <a:font script="Hans" typeface="等线 Light"/>
+        <a:font script="Hant" typeface="新細明體"/>
+        <a:font script="Arab" typeface="Times New Roman"/>
+        <a:font script="Hebr" typeface="Times New Roman"/>
+        <a:font script="Thai" typeface="Angsana New"/>
+        <a:font script="Ethi" typeface="Nyala"/>
+        <a:font script="Beng" typeface="Vrinda"/>
+        <a:font script="Gujr" typeface="Shruti"/>
+        <a:font script="Khmr" typeface="MoolBoran"/>
+        <a:font script="Knda" typeface="Tunga"/>
+        <a:font script="Guru" typeface="Raavi"/>
+        <a:font script="Cans" typeface="Euphemia"/>
+        <a:font script="Cher" typeface="Plantagenet Cherokee"/>
+        <a:font script="Yiii" typeface="Microsoft Yi Baiti"/>
+        <a:font script="Tibt" typeface="Microsoft Himalaya"/>
+        <a:font script="Thaa" typeface="MV Boli"/>
+        <a:font script="Deva" typeface="Mangal"/>
+        <a:font script="Telu" typeface="Gautami"/>
+        <a:font script="Taml" typeface="Latha"/>
+        <a:font script="Syrc" typeface="Estrangelo Edessa"/>
+        <a:font script="Orya" typeface="Kalinga"/>
+        <a:font script="Mlym" typeface="Kartika"/>
+        <a:font script="Laoo" typeface="DokChampa"/>
+        <a:font script="Sinh" typeface="Iskoola Pota"/>
+        <a:font script="Mong" typeface="Mongolian Baiti"/>
+        <a:font script="Viet" typeface="Times New Roman"/>
+        <a:font script="Uigh" typeface="Microsoft Uighur"/>
+        <a:font script="Geor" typeface="Sylfaen"/>
+        <a:font script="Armn" typeface="Arial"/>
+        <a:font script="Bugi" typeface="Leelawadee UI"/>
+        <a:font script="Bopo" typeface="Microsoft JhengHei"/>
+        <a:font script="Java" typeface="Javanese Text"/>
+        <a:font script="Lisu" typeface="Segoe UI"/>
+        <a:font script="Mymr" typeface="Myanmar Text"/>
+        <a:font script="Nkoo" typeface="Ebrima"/>
+        <a:font script="Olck" typeface="Nirmala UI"/>
+        <a:font script="Osma" typeface="Ebrima"/>
+        <a:font script="Phag" typeface="Phagspa"/>
+        <a:font script="Syrn" typeface="Estrangelo Edessa"/>
+        <a:font script="Syrj" typeface="Estrangelo Edessa"/>
+        <a:font script="Syre" typeface="Estrangelo Edessa"/>
+        <a:font script="Sora" typeface="Nirmala UI"/>
+        <a:font script="Tale" typeface="Microsoft Tai Le"/>
+        <a:font script="Talu" typeface="Microsoft New Tai Lue"/>
+        <a:font script="Tfng" typeface="Ebrima"/>
+      </a:majorFont>
+      <a:minorFont>
+        <a:latin typeface="Calibri" panose="020F0502020204030204"/>
+        <a:ea typeface=""/>
+        <a:cs typeface=""/>
+        <a:font script="Jpan" typeface="游ゴシック"/>
+        <a:font script="Hang" typeface="맑은 고딕"/>
+        <a:font script="Hans" typeface="等线"/>
+        <a:font script="Hant" typeface="新細明體"/>
+        <a:font script="Arab" typeface="Arial"/>
+        <a:font script="Hebr" typeface="Arial"/>
+        <a:font script="Thai" typeface="Cordia New"/>
+        <a:font script="Ethi" typeface="Nyala"/>
+        <a:font script="Beng" typeface="Vrinda"/>
+        <a:font script="Gujr" typeface="Shruti"/>
+        <a:font script="Khmr" typeface="DaunPenh"/>
+        <a:font script="Knda" typeface="Tunga"/>
+        <a:font script="Guru" typeface="Raavi"/>
+        <a:font script="Cans" typeface="Euphemia"/>
+        <a:font script="Cher" typeface="Plantagenet Cherokee"/>
+        <a:font script="Yiii" typeface="Microsoft Yi Baiti"/>
+        <a:font script="Tibt" typeface="Microsoft Himalaya"/>
+        <a:font script="Thaa" typeface="MV Boli"/>
+        <a:font script="Deva" typeface="Mangal"/>
+        <a:font script="Telu" typeface="Gautami"/>
+        <a:font script="Taml" typeface="Latha"/>
+        <a:font script="Syrc" typeface="Estrangelo Edessa"/>
+        <a:font script="Orya" typeface="Kalinga"/>
+        <a:font script="Mlym" typeface="Kartika"/>
+        <a:font script="Laoo" typeface="DokChampa"/>
+        <a:font script="Sinh" typeface="Iskoola Pota"/>
+        <a:font script="Mong" typeface="Mongolian Baiti"/>
+        <a:font script="Viet" typeface="Arial"/>
+        <a:font script="Uigh" typeface="Microsoft Uighur"/>
+        <a:font script="Geor" typeface="Sylfaen"/>
+        <a:font script="Armn" typeface="Arial"/>
+        <a:font script="Bugi" typeface="Leelawadee UI"/>
+        <a:font script="Bopo" typeface="Microsoft JhengHei"/>
+        <a:font script="Java" typeface="Javanese Text"/>
+        <a:font script="Lisu" typeface="Segoe UI"/>
+        <a:font script="Mymr" typeface="Myanmar Text"/>
+        <a:font script="Nkoo" typeface="Ebrima"/>
+        <a:font script="Olck" typeface="Nirmala UI"/>
+        <a:font script="Osma" typeface="Ebrima"/>
+        <a:font script="Phag" typeface="Phagspa"/>
+        <a:font script="Syrn" typeface="Estrangelo Edessa"/>
+        <a:font script="Syrj" typeface="Estrangelo Edessa"/>
+        <a:font script="Syre" typeface="Estrangelo Edessa"/>
+        <a:font script="Sora" typeface="Nirmala UI"/>
+        <a:font script="Tale" typeface="Microsoft Tai Le"/>
+        <a:font script="Talu" typeface="Microsoft New Tai Lue"/>
+        <a:font script="Tfng" typeface="Ebrima"/>
+      </a:minorFont>
+    </a:fontScheme>
+    <a:fmtScheme name="Office">
+      <a:fillStyleLst>
+        <a:solidFill>
+          <a:schemeClr val="phClr"/>
+        </a:solidFill>
+        <a:gradFill rotWithShape="1">
+          <a:gsLst>
+            <a:gs pos="0">
+              <a:schemeClr val="phClr">
+                <a:lumMod val="110000"/>
+                <a:satMod val="105000"/>
+                <a:tint val="67000"/>
+              </a:schemeClr>
+            </a:gs>
+            <a:gs pos="50000">
+              <a:schemeClr val="phClr">
+                <a:lumMod val="105000"/>
+                <a:satMod val="103000"/>
+                <a:tint val="73000"/>
+              </a:schemeClr>
+            </a:gs>
+            <a:gs pos="100000">
+              <a:schemeClr val="phClr">
+                <a:lumMod val="105000"/>
+                <a:satMod val="109000"/>
+                <a:tint val="81000"/>
+              </a:schemeClr>
+            </a:gs>
+          </a:gsLst>
+          <a:lin ang="5400000" scaled="0"/>
+        </a:gradFill>
+        <a:gradFill rotWithShape="1">
+          <a:gsLst>
+            <a:gs pos="0">
+              <a:schemeClr val="phClr">
+                <a:satMod val="103000"/>
+                <a:lumMod val="102000"/>
+                <a:tint val="94000"/>
+              </a:schemeClr>
+            </a:gs>
+            <a:gs pos="50000">
+              <a:schemeClr val="phClr">
+                <a:satMod val="110000"/>
+                <a:lumMod val="100000"/>
+                <a:shade val="100000"/>
+              </a:schemeClr>
+            </a:gs>
+            <a:gs pos="100000">
+              <a:schemeClr val="phClr">
+                <a:lumMod val="99000"/>
+                <a:satMod val="120000"/>
+                <a:shade val="78000"/>
+              </a:schemeClr>
+            </a:gs>
+          </a:gsLst>
+          <a:lin ang="5400000" scaled="0"/>
+        </a:gradFill>
+      </a:fillStyleLst>
+      <a:lnStyleLst>
+        <a:ln w="6350" cap="flat" cmpd="sng" algn="ctr">
+          <a:solidFill>
+            <a:schemeClr val="phClr"/>
+          </a:solidFill>
+          <a:prstDash val="solid"/>
+          <a:miter lim="800000"/>
+        </a:ln>
+        <a:ln w="12700" cap="flat" cmpd="sng" algn="ctr">
+          <a:solidFill>
+            <a:schemeClr val="phClr"/>
+          </a:solidFill>
+          <a:prstDash val="solid"/>
+          <a:miter lim="800000"/>
+        </a:ln>
+        <a:ln w="19050" cap="flat" cmpd="sng" algn="ctr">
+          <a:solidFill>
+            <a:schemeClr val="phClr"/>
+          </a:solidFill>
+          <a:prstDash val="solid"/>
+          <a:miter lim="800000"/>
+        </a:ln>
+      </a:lnStyleLst>
+      <a:effectStyleLst>
+        <a:effectStyle>
+          <a:effectLst/>
+        </a:effectStyle>
+        <a:effectStyle>
+          <a:effectLst/>
+        </a:effectStyle>
+        <a:effectStyle>
+          <a:effectLst>
+            <a:outerShdw blurRad="57150" dist="19050" dir="5400000" algn="ctr" rotWithShape="0">
+              <a:srgbClr val="000000">
+                <a:alpha val="63000"/>
+              </a:srgbClr>
+            </a:outerShdw>
+          </a:effectLst>
+        </a:effectStyle>
+      </a:effectStyleLst>
+      <a:bgFillStyleLst>
+        <a:solidFill>
+          <a:schemeClr val="phClr"/>
+        </a:solidFill>
+        <a:solidFill>
+          <a:schemeClr val="phClr">
+            <a:tint val="95000"/>
+            <a:satMod val="170000"/>
+          </a:schemeClr>
+        </a:solidFill>
+        <a:gradFill rotWithShape="1">
+          <a:gsLst>
+            <a:gs pos="0">
+              <a:schemeClr val="phClr">
+                <a:tint val="93000"/>
+                <a:satMod val="150000"/>
+                <a:shade val="98000"/>
+                <a:lumMod val="102000"/>
+              </a:schemeClr>
+            </a:gs>
+            <a:gs pos="50000">
+              <a:schemeClr val="phClr">
+                <a:tint val="98000"/>
+                <a:satMod val="130000"/>
+                <a:shade val="90000"/>
+                <a:lumMod val="103000"/>
+              </a:schemeClr>
+            </a:gs>
+            <a:gs pos="100000">
+              <a:schemeClr val="phClr">
+                <a:shade val="63000"/>
+                <a:satMod val="120000"/>
+              </a:schemeClr>
+            </a:gs>
+          </a:gsLst>
+          <a:lin ang="5400000" scaled="0"/>
+        </a:gradFill>
+      </a:bgFillStyleLst>
+    </a:fmtScheme>
+  </a:themeElements>
+  <a:objectDefaults/>
+  <a:extraClrSchemeLst/>
+  <a:extLst>
+    <a:ext uri="{05A4C25C-085E-4340-85A3-A5531E510DB2}">
+      <thm15:themeFamily xmlns:thm15="http://schemas.microsoft.com/office/thememl/2012/main" name="Office Theme" id="{62F939B6-93AF-4DB8-9C6B-D6C7DFDC589F}" vid="{4A3C46E8-61CC-4603-A589-7422A47A8E4A}"/>
+    </a:ext>
+  </a:extLst>
+</a:theme>
 </file>